--- a/Dop_info/Чиин - курсовая.pptx
+++ b/Dop_info/Чиин - курсовая.pptx
@@ -116,6 +116,11 @@
       </a:defRPr>
     </a:lvl9pPr>
   </p:defaultTextStyle>
+  <p:extLst>
+    <p:ext uri="{EFAFB233-063F-42B5-8137-9DF3F51BA10A}">
+      <p15:sldGuideLst xmlns:p15="http://schemas.microsoft.com/office/powerpoint/2012/main"/>
+    </p:ext>
+  </p:extLst>
 </p:presentation>
 </file>
 
@@ -3959,6 +3964,287 @@
           </a:ln>
         </p:spPr>
       </p:pic>
+      <p:sp>
+        <p:nvSpPr>
+          <p:cNvPr id="8" name="Объект 2">
+            <a:extLst>
+              <a:ext uri="{FF2B5EF4-FFF2-40B4-BE49-F238E27FC236}">
+                <a16:creationId xmlns:a16="http://schemas.microsoft.com/office/drawing/2014/main" id="{B1B2262D-38FE-44F1-A0DB-703669D740EF}"/>
+              </a:ext>
+            </a:extLst>
+          </p:cNvPr>
+          <p:cNvSpPr txBox="1">
+            <a:spLocks/>
+          </p:cNvSpPr>
+          <p:nvPr/>
+        </p:nvSpPr>
+        <p:spPr>
+          <a:xfrm>
+            <a:off x="11203619" y="6323490"/>
+            <a:ext cx="837460" cy="374712"/>
+          </a:xfrm>
+          <a:prstGeom prst="rect">
+            <a:avLst/>
+          </a:prstGeom>
+        </p:spPr>
+        <p:txBody>
+          <a:bodyPr vert="horz" lIns="91440" tIns="45720" rIns="91440" bIns="45720" rtlCol="0">
+            <a:normAutofit fontScale="92500"/>
+          </a:bodyPr>
+          <a:lstStyle>
+            <a:lvl1pPr marL="228600" indent="-182880" algn="l" defTabSz="914400" rtl="0" eaLnBrk="1" latinLnBrk="0" hangingPunct="1">
+              <a:lnSpc>
+                <a:spcPct val="90000"/>
+              </a:lnSpc>
+              <a:spcBef>
+                <a:spcPts val="1400"/>
+              </a:spcBef>
+              <a:buClr>
+                <a:schemeClr val="accent1"/>
+              </a:buClr>
+              <a:buSzPct val="80000"/>
+              <a:buFont typeface="Corbel" pitchFamily="34" charset="0"/>
+              <a:buChar char="•"/>
+              <a:defRPr sz="2200" kern="1200">
+                <a:solidFill>
+                  <a:schemeClr val="accent1"/>
+                </a:solidFill>
+                <a:latin typeface="+mn-lt"/>
+                <a:ea typeface="+mn-ea"/>
+                <a:cs typeface="+mn-cs"/>
+              </a:defRPr>
+            </a:lvl1pPr>
+            <a:lvl2pPr marL="457200" indent="-182880" algn="l" defTabSz="914400" rtl="0" eaLnBrk="1" latinLnBrk="0" hangingPunct="1">
+              <a:lnSpc>
+                <a:spcPct val="90000"/>
+              </a:lnSpc>
+              <a:spcBef>
+                <a:spcPts val="200"/>
+              </a:spcBef>
+              <a:spcAft>
+                <a:spcPts val="400"/>
+              </a:spcAft>
+              <a:buClr>
+                <a:schemeClr val="accent1"/>
+              </a:buClr>
+              <a:buSzPct val="80000"/>
+              <a:buFont typeface="Corbel" pitchFamily="34" charset="0"/>
+              <a:buChar char="•"/>
+              <a:defRPr sz="2000" kern="1200">
+                <a:solidFill>
+                  <a:schemeClr val="accent1"/>
+                </a:solidFill>
+                <a:latin typeface="+mn-lt"/>
+                <a:ea typeface="+mn-ea"/>
+                <a:cs typeface="+mn-cs"/>
+              </a:defRPr>
+            </a:lvl2pPr>
+            <a:lvl3pPr marL="731520" indent="-182880" algn="l" defTabSz="914400" rtl="0" eaLnBrk="1" latinLnBrk="0" hangingPunct="1">
+              <a:lnSpc>
+                <a:spcPct val="90000"/>
+              </a:lnSpc>
+              <a:spcBef>
+                <a:spcPts val="200"/>
+              </a:spcBef>
+              <a:spcAft>
+                <a:spcPts val="400"/>
+              </a:spcAft>
+              <a:buClr>
+                <a:schemeClr val="accent1"/>
+              </a:buClr>
+              <a:buSzPct val="80000"/>
+              <a:buFont typeface="Corbel" pitchFamily="34" charset="0"/>
+              <a:buChar char="•"/>
+              <a:defRPr sz="1800" kern="1200">
+                <a:solidFill>
+                  <a:schemeClr val="accent1"/>
+                </a:solidFill>
+                <a:latin typeface="+mn-lt"/>
+                <a:ea typeface="+mn-ea"/>
+                <a:cs typeface="+mn-cs"/>
+              </a:defRPr>
+            </a:lvl3pPr>
+            <a:lvl4pPr marL="1005840" indent="-182880" algn="l" defTabSz="914400" rtl="0" eaLnBrk="1" latinLnBrk="0" hangingPunct="1">
+              <a:lnSpc>
+                <a:spcPct val="90000"/>
+              </a:lnSpc>
+              <a:spcBef>
+                <a:spcPts val="200"/>
+              </a:spcBef>
+              <a:spcAft>
+                <a:spcPts val="400"/>
+              </a:spcAft>
+              <a:buClr>
+                <a:schemeClr val="accent1"/>
+              </a:buClr>
+              <a:buSzPct val="80000"/>
+              <a:buFont typeface="Corbel" pitchFamily="34" charset="0"/>
+              <a:buChar char="•"/>
+              <a:defRPr sz="1600" kern="1200">
+                <a:solidFill>
+                  <a:schemeClr val="accent1"/>
+                </a:solidFill>
+                <a:latin typeface="+mn-lt"/>
+                <a:ea typeface="+mn-ea"/>
+                <a:cs typeface="+mn-cs"/>
+              </a:defRPr>
+            </a:lvl4pPr>
+            <a:lvl5pPr marL="1280160" indent="-182880" algn="l" defTabSz="914400" rtl="0" eaLnBrk="1" latinLnBrk="0" hangingPunct="1">
+              <a:lnSpc>
+                <a:spcPct val="90000"/>
+              </a:lnSpc>
+              <a:spcBef>
+                <a:spcPts val="200"/>
+              </a:spcBef>
+              <a:spcAft>
+                <a:spcPts val="400"/>
+              </a:spcAft>
+              <a:buClr>
+                <a:schemeClr val="accent1"/>
+              </a:buClr>
+              <a:buSzPct val="80000"/>
+              <a:buFont typeface="Corbel" pitchFamily="34" charset="0"/>
+              <a:buChar char="•"/>
+              <a:defRPr sz="1600" kern="1200">
+                <a:solidFill>
+                  <a:schemeClr val="accent1"/>
+                </a:solidFill>
+                <a:latin typeface="+mn-lt"/>
+                <a:ea typeface="+mn-ea"/>
+                <a:cs typeface="+mn-cs"/>
+              </a:defRPr>
+            </a:lvl5pPr>
+            <a:lvl6pPr marL="1600000" indent="-228600" algn="l" defTabSz="914400" rtl="0" eaLnBrk="1" latinLnBrk="0" hangingPunct="1">
+              <a:lnSpc>
+                <a:spcPct val="90000"/>
+              </a:lnSpc>
+              <a:spcBef>
+                <a:spcPts val="200"/>
+              </a:spcBef>
+              <a:spcAft>
+                <a:spcPts val="400"/>
+              </a:spcAft>
+              <a:buClr>
+                <a:schemeClr val="accent1"/>
+              </a:buClr>
+              <a:buSzPct val="80000"/>
+              <a:buFont typeface="Corbel" pitchFamily="34" charset="0"/>
+              <a:buChar char="•"/>
+              <a:defRPr sz="1600" kern="1200">
+                <a:solidFill>
+                  <a:schemeClr val="accent1"/>
+                </a:solidFill>
+                <a:latin typeface="+mn-lt"/>
+                <a:ea typeface="+mn-ea"/>
+                <a:cs typeface="+mn-cs"/>
+              </a:defRPr>
+            </a:lvl6pPr>
+            <a:lvl7pPr marL="1900000" indent="-228600" algn="l" defTabSz="914400" rtl="0" eaLnBrk="1" latinLnBrk="0" hangingPunct="1">
+              <a:lnSpc>
+                <a:spcPct val="90000"/>
+              </a:lnSpc>
+              <a:spcBef>
+                <a:spcPts val="200"/>
+              </a:spcBef>
+              <a:spcAft>
+                <a:spcPts val="400"/>
+              </a:spcAft>
+              <a:buClr>
+                <a:schemeClr val="accent1"/>
+              </a:buClr>
+              <a:buSzPct val="80000"/>
+              <a:buFont typeface="Corbel" pitchFamily="34" charset="0"/>
+              <a:buChar char="•"/>
+              <a:defRPr sz="1600" kern="1200">
+                <a:solidFill>
+                  <a:schemeClr val="accent1"/>
+                </a:solidFill>
+                <a:latin typeface="+mn-lt"/>
+                <a:ea typeface="+mn-ea"/>
+                <a:cs typeface="+mn-cs"/>
+              </a:defRPr>
+            </a:lvl7pPr>
+            <a:lvl8pPr marL="2200000" indent="-228600" algn="l" defTabSz="914400" rtl="0" eaLnBrk="1" latinLnBrk="0" hangingPunct="1">
+              <a:lnSpc>
+                <a:spcPct val="90000"/>
+              </a:lnSpc>
+              <a:spcBef>
+                <a:spcPts val="200"/>
+              </a:spcBef>
+              <a:spcAft>
+                <a:spcPts val="400"/>
+              </a:spcAft>
+              <a:buClr>
+                <a:schemeClr val="accent1"/>
+              </a:buClr>
+              <a:buSzPct val="80000"/>
+              <a:buFont typeface="Corbel" pitchFamily="34" charset="0"/>
+              <a:buChar char="•"/>
+              <a:defRPr sz="1600" kern="1200">
+                <a:solidFill>
+                  <a:schemeClr val="accent1"/>
+                </a:solidFill>
+                <a:latin typeface="+mn-lt"/>
+                <a:ea typeface="+mn-ea"/>
+                <a:cs typeface="+mn-cs"/>
+              </a:defRPr>
+            </a:lvl8pPr>
+            <a:lvl9pPr marL="2500000" indent="-228600" algn="l" defTabSz="914400" rtl="0" eaLnBrk="1" latinLnBrk="0" hangingPunct="1">
+              <a:lnSpc>
+                <a:spcPct val="90000"/>
+              </a:lnSpc>
+              <a:spcBef>
+                <a:spcPts val="200"/>
+              </a:spcBef>
+              <a:spcAft>
+                <a:spcPts val="400"/>
+              </a:spcAft>
+              <a:buClr>
+                <a:schemeClr val="accent1"/>
+              </a:buClr>
+              <a:buSzPct val="80000"/>
+              <a:buFont typeface="Corbel" pitchFamily="34" charset="0"/>
+              <a:buChar char="•"/>
+              <a:defRPr sz="1600" kern="1200">
+                <a:solidFill>
+                  <a:schemeClr val="accent1"/>
+                </a:solidFill>
+                <a:latin typeface="+mn-lt"/>
+                <a:ea typeface="+mn-ea"/>
+                <a:cs typeface="+mn-cs"/>
+              </a:defRPr>
+            </a:lvl9pPr>
+          </a:lstStyle>
+          <a:p>
+            <a:pPr marL="45720" indent="0">
+              <a:buFont typeface="Corbel" pitchFamily="34" charset="0"/>
+              <a:buNone/>
+            </a:pPr>
+            <a:r>
+              <a:rPr lang="ru-RU" dirty="0">
+                <a:ln w="0"/>
+                <a:solidFill>
+                  <a:schemeClr val="tx1"/>
+                </a:solidFill>
+                <a:latin typeface="Times New Roman" panose="02020603050405020304" pitchFamily="18" charset="0"/>
+                <a:cs typeface="Times New Roman" panose="02020603050405020304" pitchFamily="18" charset="0"/>
+              </a:rPr>
+              <a:t>10</a:t>
+            </a:r>
+            <a:r>
+              <a:rPr lang="en-US" dirty="0">
+                <a:ln w="0"/>
+                <a:solidFill>
+                  <a:schemeClr val="tx1"/>
+                </a:solidFill>
+                <a:latin typeface="Times New Roman" panose="02020603050405020304" pitchFamily="18" charset="0"/>
+                <a:cs typeface="Times New Roman" panose="02020603050405020304" pitchFamily="18" charset="0"/>
+              </a:rPr>
+              <a:t>/13</a:t>
+            </a:r>
+          </a:p>
+        </p:txBody>
+      </p:sp>
     </p:spTree>
     <p:extLst>
       <p:ext uri="{BB962C8B-B14F-4D97-AF65-F5344CB8AC3E}">
@@ -4111,8 +4397,8 @@
         </p:blipFill>
         <p:spPr>
           <a:xfrm>
-            <a:off x="7013359" y="1678435"/>
-            <a:ext cx="4651051" cy="4799292"/>
+            <a:off x="6942741" y="1678435"/>
+            <a:ext cx="4501578" cy="4645055"/>
           </a:xfrm>
           <a:prstGeom prst="rect">
             <a:avLst/>
@@ -4157,6 +4443,287 @@
           </a:ln>
         </p:spPr>
       </p:pic>
+      <p:sp>
+        <p:nvSpPr>
+          <p:cNvPr id="8" name="Объект 2">
+            <a:extLst>
+              <a:ext uri="{FF2B5EF4-FFF2-40B4-BE49-F238E27FC236}">
+                <a16:creationId xmlns:a16="http://schemas.microsoft.com/office/drawing/2014/main" id="{C4B93BDF-9E5E-4ADC-8234-5CDF2BCD39A3}"/>
+              </a:ext>
+            </a:extLst>
+          </p:cNvPr>
+          <p:cNvSpPr txBox="1">
+            <a:spLocks/>
+          </p:cNvSpPr>
+          <p:nvPr/>
+        </p:nvSpPr>
+        <p:spPr>
+          <a:xfrm>
+            <a:off x="11221375" y="6323490"/>
+            <a:ext cx="899603" cy="374712"/>
+          </a:xfrm>
+          <a:prstGeom prst="rect">
+            <a:avLst/>
+          </a:prstGeom>
+        </p:spPr>
+        <p:txBody>
+          <a:bodyPr vert="horz" lIns="91440" tIns="45720" rIns="91440" bIns="45720" rtlCol="0">
+            <a:normAutofit/>
+          </a:bodyPr>
+          <a:lstStyle>
+            <a:lvl1pPr marL="228600" indent="-182880" algn="l" defTabSz="914400" rtl="0" eaLnBrk="1" latinLnBrk="0" hangingPunct="1">
+              <a:lnSpc>
+                <a:spcPct val="90000"/>
+              </a:lnSpc>
+              <a:spcBef>
+                <a:spcPts val="1400"/>
+              </a:spcBef>
+              <a:buClr>
+                <a:schemeClr val="accent1"/>
+              </a:buClr>
+              <a:buSzPct val="80000"/>
+              <a:buFont typeface="Corbel" pitchFamily="34" charset="0"/>
+              <a:buChar char="•"/>
+              <a:defRPr sz="2200" kern="1200">
+                <a:solidFill>
+                  <a:schemeClr val="accent1"/>
+                </a:solidFill>
+                <a:latin typeface="+mn-lt"/>
+                <a:ea typeface="+mn-ea"/>
+                <a:cs typeface="+mn-cs"/>
+              </a:defRPr>
+            </a:lvl1pPr>
+            <a:lvl2pPr marL="457200" indent="-182880" algn="l" defTabSz="914400" rtl="0" eaLnBrk="1" latinLnBrk="0" hangingPunct="1">
+              <a:lnSpc>
+                <a:spcPct val="90000"/>
+              </a:lnSpc>
+              <a:spcBef>
+                <a:spcPts val="200"/>
+              </a:spcBef>
+              <a:spcAft>
+                <a:spcPts val="400"/>
+              </a:spcAft>
+              <a:buClr>
+                <a:schemeClr val="accent1"/>
+              </a:buClr>
+              <a:buSzPct val="80000"/>
+              <a:buFont typeface="Corbel" pitchFamily="34" charset="0"/>
+              <a:buChar char="•"/>
+              <a:defRPr sz="2000" kern="1200">
+                <a:solidFill>
+                  <a:schemeClr val="accent1"/>
+                </a:solidFill>
+                <a:latin typeface="+mn-lt"/>
+                <a:ea typeface="+mn-ea"/>
+                <a:cs typeface="+mn-cs"/>
+              </a:defRPr>
+            </a:lvl2pPr>
+            <a:lvl3pPr marL="731520" indent="-182880" algn="l" defTabSz="914400" rtl="0" eaLnBrk="1" latinLnBrk="0" hangingPunct="1">
+              <a:lnSpc>
+                <a:spcPct val="90000"/>
+              </a:lnSpc>
+              <a:spcBef>
+                <a:spcPts val="200"/>
+              </a:spcBef>
+              <a:spcAft>
+                <a:spcPts val="400"/>
+              </a:spcAft>
+              <a:buClr>
+                <a:schemeClr val="accent1"/>
+              </a:buClr>
+              <a:buSzPct val="80000"/>
+              <a:buFont typeface="Corbel" pitchFamily="34" charset="0"/>
+              <a:buChar char="•"/>
+              <a:defRPr sz="1800" kern="1200">
+                <a:solidFill>
+                  <a:schemeClr val="accent1"/>
+                </a:solidFill>
+                <a:latin typeface="+mn-lt"/>
+                <a:ea typeface="+mn-ea"/>
+                <a:cs typeface="+mn-cs"/>
+              </a:defRPr>
+            </a:lvl3pPr>
+            <a:lvl4pPr marL="1005840" indent="-182880" algn="l" defTabSz="914400" rtl="0" eaLnBrk="1" latinLnBrk="0" hangingPunct="1">
+              <a:lnSpc>
+                <a:spcPct val="90000"/>
+              </a:lnSpc>
+              <a:spcBef>
+                <a:spcPts val="200"/>
+              </a:spcBef>
+              <a:spcAft>
+                <a:spcPts val="400"/>
+              </a:spcAft>
+              <a:buClr>
+                <a:schemeClr val="accent1"/>
+              </a:buClr>
+              <a:buSzPct val="80000"/>
+              <a:buFont typeface="Corbel" pitchFamily="34" charset="0"/>
+              <a:buChar char="•"/>
+              <a:defRPr sz="1600" kern="1200">
+                <a:solidFill>
+                  <a:schemeClr val="accent1"/>
+                </a:solidFill>
+                <a:latin typeface="+mn-lt"/>
+                <a:ea typeface="+mn-ea"/>
+                <a:cs typeface="+mn-cs"/>
+              </a:defRPr>
+            </a:lvl4pPr>
+            <a:lvl5pPr marL="1280160" indent="-182880" algn="l" defTabSz="914400" rtl="0" eaLnBrk="1" latinLnBrk="0" hangingPunct="1">
+              <a:lnSpc>
+                <a:spcPct val="90000"/>
+              </a:lnSpc>
+              <a:spcBef>
+                <a:spcPts val="200"/>
+              </a:spcBef>
+              <a:spcAft>
+                <a:spcPts val="400"/>
+              </a:spcAft>
+              <a:buClr>
+                <a:schemeClr val="accent1"/>
+              </a:buClr>
+              <a:buSzPct val="80000"/>
+              <a:buFont typeface="Corbel" pitchFamily="34" charset="0"/>
+              <a:buChar char="•"/>
+              <a:defRPr sz="1600" kern="1200">
+                <a:solidFill>
+                  <a:schemeClr val="accent1"/>
+                </a:solidFill>
+                <a:latin typeface="+mn-lt"/>
+                <a:ea typeface="+mn-ea"/>
+                <a:cs typeface="+mn-cs"/>
+              </a:defRPr>
+            </a:lvl5pPr>
+            <a:lvl6pPr marL="1600000" indent="-228600" algn="l" defTabSz="914400" rtl="0" eaLnBrk="1" latinLnBrk="0" hangingPunct="1">
+              <a:lnSpc>
+                <a:spcPct val="90000"/>
+              </a:lnSpc>
+              <a:spcBef>
+                <a:spcPts val="200"/>
+              </a:spcBef>
+              <a:spcAft>
+                <a:spcPts val="400"/>
+              </a:spcAft>
+              <a:buClr>
+                <a:schemeClr val="accent1"/>
+              </a:buClr>
+              <a:buSzPct val="80000"/>
+              <a:buFont typeface="Corbel" pitchFamily="34" charset="0"/>
+              <a:buChar char="•"/>
+              <a:defRPr sz="1600" kern="1200">
+                <a:solidFill>
+                  <a:schemeClr val="accent1"/>
+                </a:solidFill>
+                <a:latin typeface="+mn-lt"/>
+                <a:ea typeface="+mn-ea"/>
+                <a:cs typeface="+mn-cs"/>
+              </a:defRPr>
+            </a:lvl6pPr>
+            <a:lvl7pPr marL="1900000" indent="-228600" algn="l" defTabSz="914400" rtl="0" eaLnBrk="1" latinLnBrk="0" hangingPunct="1">
+              <a:lnSpc>
+                <a:spcPct val="90000"/>
+              </a:lnSpc>
+              <a:spcBef>
+                <a:spcPts val="200"/>
+              </a:spcBef>
+              <a:spcAft>
+                <a:spcPts val="400"/>
+              </a:spcAft>
+              <a:buClr>
+                <a:schemeClr val="accent1"/>
+              </a:buClr>
+              <a:buSzPct val="80000"/>
+              <a:buFont typeface="Corbel" pitchFamily="34" charset="0"/>
+              <a:buChar char="•"/>
+              <a:defRPr sz="1600" kern="1200">
+                <a:solidFill>
+                  <a:schemeClr val="accent1"/>
+                </a:solidFill>
+                <a:latin typeface="+mn-lt"/>
+                <a:ea typeface="+mn-ea"/>
+                <a:cs typeface="+mn-cs"/>
+              </a:defRPr>
+            </a:lvl7pPr>
+            <a:lvl8pPr marL="2200000" indent="-228600" algn="l" defTabSz="914400" rtl="0" eaLnBrk="1" latinLnBrk="0" hangingPunct="1">
+              <a:lnSpc>
+                <a:spcPct val="90000"/>
+              </a:lnSpc>
+              <a:spcBef>
+                <a:spcPts val="200"/>
+              </a:spcBef>
+              <a:spcAft>
+                <a:spcPts val="400"/>
+              </a:spcAft>
+              <a:buClr>
+                <a:schemeClr val="accent1"/>
+              </a:buClr>
+              <a:buSzPct val="80000"/>
+              <a:buFont typeface="Corbel" pitchFamily="34" charset="0"/>
+              <a:buChar char="•"/>
+              <a:defRPr sz="1600" kern="1200">
+                <a:solidFill>
+                  <a:schemeClr val="accent1"/>
+                </a:solidFill>
+                <a:latin typeface="+mn-lt"/>
+                <a:ea typeface="+mn-ea"/>
+                <a:cs typeface="+mn-cs"/>
+              </a:defRPr>
+            </a:lvl8pPr>
+            <a:lvl9pPr marL="2500000" indent="-228600" algn="l" defTabSz="914400" rtl="0" eaLnBrk="1" latinLnBrk="0" hangingPunct="1">
+              <a:lnSpc>
+                <a:spcPct val="90000"/>
+              </a:lnSpc>
+              <a:spcBef>
+                <a:spcPts val="200"/>
+              </a:spcBef>
+              <a:spcAft>
+                <a:spcPts val="400"/>
+              </a:spcAft>
+              <a:buClr>
+                <a:schemeClr val="accent1"/>
+              </a:buClr>
+              <a:buSzPct val="80000"/>
+              <a:buFont typeface="Corbel" pitchFamily="34" charset="0"/>
+              <a:buChar char="•"/>
+              <a:defRPr sz="1600" kern="1200">
+                <a:solidFill>
+                  <a:schemeClr val="accent1"/>
+                </a:solidFill>
+                <a:latin typeface="+mn-lt"/>
+                <a:ea typeface="+mn-ea"/>
+                <a:cs typeface="+mn-cs"/>
+              </a:defRPr>
+            </a:lvl9pPr>
+          </a:lstStyle>
+          <a:p>
+            <a:pPr marL="45720" indent="0">
+              <a:buFont typeface="Corbel" pitchFamily="34" charset="0"/>
+              <a:buNone/>
+            </a:pPr>
+            <a:r>
+              <a:rPr lang="ru-RU" sz="2000" dirty="0">
+                <a:ln w="0"/>
+                <a:solidFill>
+                  <a:schemeClr val="tx1"/>
+                </a:solidFill>
+                <a:latin typeface="Times New Roman" panose="02020603050405020304" pitchFamily="18" charset="0"/>
+                <a:cs typeface="Times New Roman" panose="02020603050405020304" pitchFamily="18" charset="0"/>
+              </a:rPr>
+              <a:t>11</a:t>
+            </a:r>
+            <a:r>
+              <a:rPr lang="en-US" sz="2000" dirty="0">
+                <a:ln w="0"/>
+                <a:solidFill>
+                  <a:schemeClr val="tx1"/>
+                </a:solidFill>
+                <a:latin typeface="Times New Roman" panose="02020603050405020304" pitchFamily="18" charset="0"/>
+                <a:cs typeface="Times New Roman" panose="02020603050405020304" pitchFamily="18" charset="0"/>
+              </a:rPr>
+              <a:t>/13</a:t>
+            </a:r>
+          </a:p>
+        </p:txBody>
+      </p:sp>
     </p:spTree>
     <p:extLst>
       <p:ext uri="{BB962C8B-B14F-4D97-AF65-F5344CB8AC3E}">
@@ -4355,6 +4922,287 @@
           </a:ln>
         </p:spPr>
       </p:pic>
+      <p:sp>
+        <p:nvSpPr>
+          <p:cNvPr id="8" name="Объект 2">
+            <a:extLst>
+              <a:ext uri="{FF2B5EF4-FFF2-40B4-BE49-F238E27FC236}">
+                <a16:creationId xmlns:a16="http://schemas.microsoft.com/office/drawing/2014/main" id="{AE1FAD60-B8A6-4D47-BC30-E4ADF8AF9586}"/>
+              </a:ext>
+            </a:extLst>
+          </p:cNvPr>
+          <p:cNvSpPr txBox="1">
+            <a:spLocks/>
+          </p:cNvSpPr>
+          <p:nvPr/>
+        </p:nvSpPr>
+        <p:spPr>
+          <a:xfrm>
+            <a:off x="11203619" y="6323490"/>
+            <a:ext cx="837460" cy="374712"/>
+          </a:xfrm>
+          <a:prstGeom prst="rect">
+            <a:avLst/>
+          </a:prstGeom>
+        </p:spPr>
+        <p:txBody>
+          <a:bodyPr vert="horz" lIns="91440" tIns="45720" rIns="91440" bIns="45720" rtlCol="0">
+            <a:normAutofit fontScale="92500"/>
+          </a:bodyPr>
+          <a:lstStyle>
+            <a:lvl1pPr marL="228600" indent="-182880" algn="l" defTabSz="914400" rtl="0" eaLnBrk="1" latinLnBrk="0" hangingPunct="1">
+              <a:lnSpc>
+                <a:spcPct val="90000"/>
+              </a:lnSpc>
+              <a:spcBef>
+                <a:spcPts val="1400"/>
+              </a:spcBef>
+              <a:buClr>
+                <a:schemeClr val="accent1"/>
+              </a:buClr>
+              <a:buSzPct val="80000"/>
+              <a:buFont typeface="Corbel" pitchFamily="34" charset="0"/>
+              <a:buChar char="•"/>
+              <a:defRPr sz="2200" kern="1200">
+                <a:solidFill>
+                  <a:schemeClr val="accent1"/>
+                </a:solidFill>
+                <a:latin typeface="+mn-lt"/>
+                <a:ea typeface="+mn-ea"/>
+                <a:cs typeface="+mn-cs"/>
+              </a:defRPr>
+            </a:lvl1pPr>
+            <a:lvl2pPr marL="457200" indent="-182880" algn="l" defTabSz="914400" rtl="0" eaLnBrk="1" latinLnBrk="0" hangingPunct="1">
+              <a:lnSpc>
+                <a:spcPct val="90000"/>
+              </a:lnSpc>
+              <a:spcBef>
+                <a:spcPts val="200"/>
+              </a:spcBef>
+              <a:spcAft>
+                <a:spcPts val="400"/>
+              </a:spcAft>
+              <a:buClr>
+                <a:schemeClr val="accent1"/>
+              </a:buClr>
+              <a:buSzPct val="80000"/>
+              <a:buFont typeface="Corbel" pitchFamily="34" charset="0"/>
+              <a:buChar char="•"/>
+              <a:defRPr sz="2000" kern="1200">
+                <a:solidFill>
+                  <a:schemeClr val="accent1"/>
+                </a:solidFill>
+                <a:latin typeface="+mn-lt"/>
+                <a:ea typeface="+mn-ea"/>
+                <a:cs typeface="+mn-cs"/>
+              </a:defRPr>
+            </a:lvl2pPr>
+            <a:lvl3pPr marL="731520" indent="-182880" algn="l" defTabSz="914400" rtl="0" eaLnBrk="1" latinLnBrk="0" hangingPunct="1">
+              <a:lnSpc>
+                <a:spcPct val="90000"/>
+              </a:lnSpc>
+              <a:spcBef>
+                <a:spcPts val="200"/>
+              </a:spcBef>
+              <a:spcAft>
+                <a:spcPts val="400"/>
+              </a:spcAft>
+              <a:buClr>
+                <a:schemeClr val="accent1"/>
+              </a:buClr>
+              <a:buSzPct val="80000"/>
+              <a:buFont typeface="Corbel" pitchFamily="34" charset="0"/>
+              <a:buChar char="•"/>
+              <a:defRPr sz="1800" kern="1200">
+                <a:solidFill>
+                  <a:schemeClr val="accent1"/>
+                </a:solidFill>
+                <a:latin typeface="+mn-lt"/>
+                <a:ea typeface="+mn-ea"/>
+                <a:cs typeface="+mn-cs"/>
+              </a:defRPr>
+            </a:lvl3pPr>
+            <a:lvl4pPr marL="1005840" indent="-182880" algn="l" defTabSz="914400" rtl="0" eaLnBrk="1" latinLnBrk="0" hangingPunct="1">
+              <a:lnSpc>
+                <a:spcPct val="90000"/>
+              </a:lnSpc>
+              <a:spcBef>
+                <a:spcPts val="200"/>
+              </a:spcBef>
+              <a:spcAft>
+                <a:spcPts val="400"/>
+              </a:spcAft>
+              <a:buClr>
+                <a:schemeClr val="accent1"/>
+              </a:buClr>
+              <a:buSzPct val="80000"/>
+              <a:buFont typeface="Corbel" pitchFamily="34" charset="0"/>
+              <a:buChar char="•"/>
+              <a:defRPr sz="1600" kern="1200">
+                <a:solidFill>
+                  <a:schemeClr val="accent1"/>
+                </a:solidFill>
+                <a:latin typeface="+mn-lt"/>
+                <a:ea typeface="+mn-ea"/>
+                <a:cs typeface="+mn-cs"/>
+              </a:defRPr>
+            </a:lvl4pPr>
+            <a:lvl5pPr marL="1280160" indent="-182880" algn="l" defTabSz="914400" rtl="0" eaLnBrk="1" latinLnBrk="0" hangingPunct="1">
+              <a:lnSpc>
+                <a:spcPct val="90000"/>
+              </a:lnSpc>
+              <a:spcBef>
+                <a:spcPts val="200"/>
+              </a:spcBef>
+              <a:spcAft>
+                <a:spcPts val="400"/>
+              </a:spcAft>
+              <a:buClr>
+                <a:schemeClr val="accent1"/>
+              </a:buClr>
+              <a:buSzPct val="80000"/>
+              <a:buFont typeface="Corbel" pitchFamily="34" charset="0"/>
+              <a:buChar char="•"/>
+              <a:defRPr sz="1600" kern="1200">
+                <a:solidFill>
+                  <a:schemeClr val="accent1"/>
+                </a:solidFill>
+                <a:latin typeface="+mn-lt"/>
+                <a:ea typeface="+mn-ea"/>
+                <a:cs typeface="+mn-cs"/>
+              </a:defRPr>
+            </a:lvl5pPr>
+            <a:lvl6pPr marL="1600000" indent="-228600" algn="l" defTabSz="914400" rtl="0" eaLnBrk="1" latinLnBrk="0" hangingPunct="1">
+              <a:lnSpc>
+                <a:spcPct val="90000"/>
+              </a:lnSpc>
+              <a:spcBef>
+                <a:spcPts val="200"/>
+              </a:spcBef>
+              <a:spcAft>
+                <a:spcPts val="400"/>
+              </a:spcAft>
+              <a:buClr>
+                <a:schemeClr val="accent1"/>
+              </a:buClr>
+              <a:buSzPct val="80000"/>
+              <a:buFont typeface="Corbel" pitchFamily="34" charset="0"/>
+              <a:buChar char="•"/>
+              <a:defRPr sz="1600" kern="1200">
+                <a:solidFill>
+                  <a:schemeClr val="accent1"/>
+                </a:solidFill>
+                <a:latin typeface="+mn-lt"/>
+                <a:ea typeface="+mn-ea"/>
+                <a:cs typeface="+mn-cs"/>
+              </a:defRPr>
+            </a:lvl6pPr>
+            <a:lvl7pPr marL="1900000" indent="-228600" algn="l" defTabSz="914400" rtl="0" eaLnBrk="1" latinLnBrk="0" hangingPunct="1">
+              <a:lnSpc>
+                <a:spcPct val="90000"/>
+              </a:lnSpc>
+              <a:spcBef>
+                <a:spcPts val="200"/>
+              </a:spcBef>
+              <a:spcAft>
+                <a:spcPts val="400"/>
+              </a:spcAft>
+              <a:buClr>
+                <a:schemeClr val="accent1"/>
+              </a:buClr>
+              <a:buSzPct val="80000"/>
+              <a:buFont typeface="Corbel" pitchFamily="34" charset="0"/>
+              <a:buChar char="•"/>
+              <a:defRPr sz="1600" kern="1200">
+                <a:solidFill>
+                  <a:schemeClr val="accent1"/>
+                </a:solidFill>
+                <a:latin typeface="+mn-lt"/>
+                <a:ea typeface="+mn-ea"/>
+                <a:cs typeface="+mn-cs"/>
+              </a:defRPr>
+            </a:lvl7pPr>
+            <a:lvl8pPr marL="2200000" indent="-228600" algn="l" defTabSz="914400" rtl="0" eaLnBrk="1" latinLnBrk="0" hangingPunct="1">
+              <a:lnSpc>
+                <a:spcPct val="90000"/>
+              </a:lnSpc>
+              <a:spcBef>
+                <a:spcPts val="200"/>
+              </a:spcBef>
+              <a:spcAft>
+                <a:spcPts val="400"/>
+              </a:spcAft>
+              <a:buClr>
+                <a:schemeClr val="accent1"/>
+              </a:buClr>
+              <a:buSzPct val="80000"/>
+              <a:buFont typeface="Corbel" pitchFamily="34" charset="0"/>
+              <a:buChar char="•"/>
+              <a:defRPr sz="1600" kern="1200">
+                <a:solidFill>
+                  <a:schemeClr val="accent1"/>
+                </a:solidFill>
+                <a:latin typeface="+mn-lt"/>
+                <a:ea typeface="+mn-ea"/>
+                <a:cs typeface="+mn-cs"/>
+              </a:defRPr>
+            </a:lvl8pPr>
+            <a:lvl9pPr marL="2500000" indent="-228600" algn="l" defTabSz="914400" rtl="0" eaLnBrk="1" latinLnBrk="0" hangingPunct="1">
+              <a:lnSpc>
+                <a:spcPct val="90000"/>
+              </a:lnSpc>
+              <a:spcBef>
+                <a:spcPts val="200"/>
+              </a:spcBef>
+              <a:spcAft>
+                <a:spcPts val="400"/>
+              </a:spcAft>
+              <a:buClr>
+                <a:schemeClr val="accent1"/>
+              </a:buClr>
+              <a:buSzPct val="80000"/>
+              <a:buFont typeface="Corbel" pitchFamily="34" charset="0"/>
+              <a:buChar char="•"/>
+              <a:defRPr sz="1600" kern="1200">
+                <a:solidFill>
+                  <a:schemeClr val="accent1"/>
+                </a:solidFill>
+                <a:latin typeface="+mn-lt"/>
+                <a:ea typeface="+mn-ea"/>
+                <a:cs typeface="+mn-cs"/>
+              </a:defRPr>
+            </a:lvl9pPr>
+          </a:lstStyle>
+          <a:p>
+            <a:pPr marL="45720" indent="0">
+              <a:buFont typeface="Corbel" pitchFamily="34" charset="0"/>
+              <a:buNone/>
+            </a:pPr>
+            <a:r>
+              <a:rPr lang="ru-RU" dirty="0">
+                <a:ln w="0"/>
+                <a:solidFill>
+                  <a:schemeClr val="tx1"/>
+                </a:solidFill>
+                <a:latin typeface="Times New Roman" panose="02020603050405020304" pitchFamily="18" charset="0"/>
+                <a:cs typeface="Times New Roman" panose="02020603050405020304" pitchFamily="18" charset="0"/>
+              </a:rPr>
+              <a:t>12</a:t>
+            </a:r>
+            <a:r>
+              <a:rPr lang="en-US" dirty="0">
+                <a:ln w="0"/>
+                <a:solidFill>
+                  <a:schemeClr val="tx1"/>
+                </a:solidFill>
+                <a:latin typeface="Times New Roman" panose="02020603050405020304" pitchFamily="18" charset="0"/>
+                <a:cs typeface="Times New Roman" panose="02020603050405020304" pitchFamily="18" charset="0"/>
+              </a:rPr>
+              <a:t>/13</a:t>
+            </a:r>
+          </a:p>
+        </p:txBody>
+      </p:sp>
     </p:spTree>
     <p:extLst>
       <p:ext uri="{BB962C8B-B14F-4D97-AF65-F5344CB8AC3E}">
@@ -4599,6 +5447,287 @@
           </a:p>
           <a:p>
             <a:endParaRPr lang="ru-RU" dirty="0"/>
+          </a:p>
+        </p:txBody>
+      </p:sp>
+      <p:sp>
+        <p:nvSpPr>
+          <p:cNvPr id="5" name="Объект 2">
+            <a:extLst>
+              <a:ext uri="{FF2B5EF4-FFF2-40B4-BE49-F238E27FC236}">
+                <a16:creationId xmlns:a16="http://schemas.microsoft.com/office/drawing/2014/main" id="{0F3AABC0-C605-4F82-B4A2-29BE7963F732}"/>
+              </a:ext>
+            </a:extLst>
+          </p:cNvPr>
+          <p:cNvSpPr txBox="1">
+            <a:spLocks/>
+          </p:cNvSpPr>
+          <p:nvPr/>
+        </p:nvSpPr>
+        <p:spPr>
+          <a:xfrm>
+            <a:off x="11203619" y="6323490"/>
+            <a:ext cx="837460" cy="374712"/>
+          </a:xfrm>
+          <a:prstGeom prst="rect">
+            <a:avLst/>
+          </a:prstGeom>
+        </p:spPr>
+        <p:txBody>
+          <a:bodyPr vert="horz" lIns="91440" tIns="45720" rIns="91440" bIns="45720" rtlCol="0">
+            <a:normAutofit fontScale="92500"/>
+          </a:bodyPr>
+          <a:lstStyle>
+            <a:lvl1pPr marL="228600" indent="-182880" algn="l" defTabSz="914400" rtl="0" eaLnBrk="1" latinLnBrk="0" hangingPunct="1">
+              <a:lnSpc>
+                <a:spcPct val="90000"/>
+              </a:lnSpc>
+              <a:spcBef>
+                <a:spcPts val="1400"/>
+              </a:spcBef>
+              <a:buClr>
+                <a:schemeClr val="accent1"/>
+              </a:buClr>
+              <a:buSzPct val="80000"/>
+              <a:buFont typeface="Corbel" pitchFamily="34" charset="0"/>
+              <a:buChar char="•"/>
+              <a:defRPr sz="2200" kern="1200">
+                <a:solidFill>
+                  <a:schemeClr val="accent1"/>
+                </a:solidFill>
+                <a:latin typeface="+mn-lt"/>
+                <a:ea typeface="+mn-ea"/>
+                <a:cs typeface="+mn-cs"/>
+              </a:defRPr>
+            </a:lvl1pPr>
+            <a:lvl2pPr marL="457200" indent="-182880" algn="l" defTabSz="914400" rtl="0" eaLnBrk="1" latinLnBrk="0" hangingPunct="1">
+              <a:lnSpc>
+                <a:spcPct val="90000"/>
+              </a:lnSpc>
+              <a:spcBef>
+                <a:spcPts val="200"/>
+              </a:spcBef>
+              <a:spcAft>
+                <a:spcPts val="400"/>
+              </a:spcAft>
+              <a:buClr>
+                <a:schemeClr val="accent1"/>
+              </a:buClr>
+              <a:buSzPct val="80000"/>
+              <a:buFont typeface="Corbel" pitchFamily="34" charset="0"/>
+              <a:buChar char="•"/>
+              <a:defRPr sz="2000" kern="1200">
+                <a:solidFill>
+                  <a:schemeClr val="accent1"/>
+                </a:solidFill>
+                <a:latin typeface="+mn-lt"/>
+                <a:ea typeface="+mn-ea"/>
+                <a:cs typeface="+mn-cs"/>
+              </a:defRPr>
+            </a:lvl2pPr>
+            <a:lvl3pPr marL="731520" indent="-182880" algn="l" defTabSz="914400" rtl="0" eaLnBrk="1" latinLnBrk="0" hangingPunct="1">
+              <a:lnSpc>
+                <a:spcPct val="90000"/>
+              </a:lnSpc>
+              <a:spcBef>
+                <a:spcPts val="200"/>
+              </a:spcBef>
+              <a:spcAft>
+                <a:spcPts val="400"/>
+              </a:spcAft>
+              <a:buClr>
+                <a:schemeClr val="accent1"/>
+              </a:buClr>
+              <a:buSzPct val="80000"/>
+              <a:buFont typeface="Corbel" pitchFamily="34" charset="0"/>
+              <a:buChar char="•"/>
+              <a:defRPr sz="1800" kern="1200">
+                <a:solidFill>
+                  <a:schemeClr val="accent1"/>
+                </a:solidFill>
+                <a:latin typeface="+mn-lt"/>
+                <a:ea typeface="+mn-ea"/>
+                <a:cs typeface="+mn-cs"/>
+              </a:defRPr>
+            </a:lvl3pPr>
+            <a:lvl4pPr marL="1005840" indent="-182880" algn="l" defTabSz="914400" rtl="0" eaLnBrk="1" latinLnBrk="0" hangingPunct="1">
+              <a:lnSpc>
+                <a:spcPct val="90000"/>
+              </a:lnSpc>
+              <a:spcBef>
+                <a:spcPts val="200"/>
+              </a:spcBef>
+              <a:spcAft>
+                <a:spcPts val="400"/>
+              </a:spcAft>
+              <a:buClr>
+                <a:schemeClr val="accent1"/>
+              </a:buClr>
+              <a:buSzPct val="80000"/>
+              <a:buFont typeface="Corbel" pitchFamily="34" charset="0"/>
+              <a:buChar char="•"/>
+              <a:defRPr sz="1600" kern="1200">
+                <a:solidFill>
+                  <a:schemeClr val="accent1"/>
+                </a:solidFill>
+                <a:latin typeface="+mn-lt"/>
+                <a:ea typeface="+mn-ea"/>
+                <a:cs typeface="+mn-cs"/>
+              </a:defRPr>
+            </a:lvl4pPr>
+            <a:lvl5pPr marL="1280160" indent="-182880" algn="l" defTabSz="914400" rtl="0" eaLnBrk="1" latinLnBrk="0" hangingPunct="1">
+              <a:lnSpc>
+                <a:spcPct val="90000"/>
+              </a:lnSpc>
+              <a:spcBef>
+                <a:spcPts val="200"/>
+              </a:spcBef>
+              <a:spcAft>
+                <a:spcPts val="400"/>
+              </a:spcAft>
+              <a:buClr>
+                <a:schemeClr val="accent1"/>
+              </a:buClr>
+              <a:buSzPct val="80000"/>
+              <a:buFont typeface="Corbel" pitchFamily="34" charset="0"/>
+              <a:buChar char="•"/>
+              <a:defRPr sz="1600" kern="1200">
+                <a:solidFill>
+                  <a:schemeClr val="accent1"/>
+                </a:solidFill>
+                <a:latin typeface="+mn-lt"/>
+                <a:ea typeface="+mn-ea"/>
+                <a:cs typeface="+mn-cs"/>
+              </a:defRPr>
+            </a:lvl5pPr>
+            <a:lvl6pPr marL="1600000" indent="-228600" algn="l" defTabSz="914400" rtl="0" eaLnBrk="1" latinLnBrk="0" hangingPunct="1">
+              <a:lnSpc>
+                <a:spcPct val="90000"/>
+              </a:lnSpc>
+              <a:spcBef>
+                <a:spcPts val="200"/>
+              </a:spcBef>
+              <a:spcAft>
+                <a:spcPts val="400"/>
+              </a:spcAft>
+              <a:buClr>
+                <a:schemeClr val="accent1"/>
+              </a:buClr>
+              <a:buSzPct val="80000"/>
+              <a:buFont typeface="Corbel" pitchFamily="34" charset="0"/>
+              <a:buChar char="•"/>
+              <a:defRPr sz="1600" kern="1200">
+                <a:solidFill>
+                  <a:schemeClr val="accent1"/>
+                </a:solidFill>
+                <a:latin typeface="+mn-lt"/>
+                <a:ea typeface="+mn-ea"/>
+                <a:cs typeface="+mn-cs"/>
+              </a:defRPr>
+            </a:lvl6pPr>
+            <a:lvl7pPr marL="1900000" indent="-228600" algn="l" defTabSz="914400" rtl="0" eaLnBrk="1" latinLnBrk="0" hangingPunct="1">
+              <a:lnSpc>
+                <a:spcPct val="90000"/>
+              </a:lnSpc>
+              <a:spcBef>
+                <a:spcPts val="200"/>
+              </a:spcBef>
+              <a:spcAft>
+                <a:spcPts val="400"/>
+              </a:spcAft>
+              <a:buClr>
+                <a:schemeClr val="accent1"/>
+              </a:buClr>
+              <a:buSzPct val="80000"/>
+              <a:buFont typeface="Corbel" pitchFamily="34" charset="0"/>
+              <a:buChar char="•"/>
+              <a:defRPr sz="1600" kern="1200">
+                <a:solidFill>
+                  <a:schemeClr val="accent1"/>
+                </a:solidFill>
+                <a:latin typeface="+mn-lt"/>
+                <a:ea typeface="+mn-ea"/>
+                <a:cs typeface="+mn-cs"/>
+              </a:defRPr>
+            </a:lvl7pPr>
+            <a:lvl8pPr marL="2200000" indent="-228600" algn="l" defTabSz="914400" rtl="0" eaLnBrk="1" latinLnBrk="0" hangingPunct="1">
+              <a:lnSpc>
+                <a:spcPct val="90000"/>
+              </a:lnSpc>
+              <a:spcBef>
+                <a:spcPts val="200"/>
+              </a:spcBef>
+              <a:spcAft>
+                <a:spcPts val="400"/>
+              </a:spcAft>
+              <a:buClr>
+                <a:schemeClr val="accent1"/>
+              </a:buClr>
+              <a:buSzPct val="80000"/>
+              <a:buFont typeface="Corbel" pitchFamily="34" charset="0"/>
+              <a:buChar char="•"/>
+              <a:defRPr sz="1600" kern="1200">
+                <a:solidFill>
+                  <a:schemeClr val="accent1"/>
+                </a:solidFill>
+                <a:latin typeface="+mn-lt"/>
+                <a:ea typeface="+mn-ea"/>
+                <a:cs typeface="+mn-cs"/>
+              </a:defRPr>
+            </a:lvl8pPr>
+            <a:lvl9pPr marL="2500000" indent="-228600" algn="l" defTabSz="914400" rtl="0" eaLnBrk="1" latinLnBrk="0" hangingPunct="1">
+              <a:lnSpc>
+                <a:spcPct val="90000"/>
+              </a:lnSpc>
+              <a:spcBef>
+                <a:spcPts val="200"/>
+              </a:spcBef>
+              <a:spcAft>
+                <a:spcPts val="400"/>
+              </a:spcAft>
+              <a:buClr>
+                <a:schemeClr val="accent1"/>
+              </a:buClr>
+              <a:buSzPct val="80000"/>
+              <a:buFont typeface="Corbel" pitchFamily="34" charset="0"/>
+              <a:buChar char="•"/>
+              <a:defRPr sz="1600" kern="1200">
+                <a:solidFill>
+                  <a:schemeClr val="accent1"/>
+                </a:solidFill>
+                <a:latin typeface="+mn-lt"/>
+                <a:ea typeface="+mn-ea"/>
+                <a:cs typeface="+mn-cs"/>
+              </a:defRPr>
+            </a:lvl9pPr>
+          </a:lstStyle>
+          <a:p>
+            <a:pPr marL="45720" indent="0">
+              <a:buFont typeface="Corbel" pitchFamily="34" charset="0"/>
+              <a:buNone/>
+            </a:pPr>
+            <a:r>
+              <a:rPr lang="ru-RU" dirty="0">
+                <a:ln w="0"/>
+                <a:solidFill>
+                  <a:schemeClr val="tx1"/>
+                </a:solidFill>
+                <a:latin typeface="Times New Roman" panose="02020603050405020304" pitchFamily="18" charset="0"/>
+                <a:cs typeface="Times New Roman" panose="02020603050405020304" pitchFamily="18" charset="0"/>
+              </a:rPr>
+              <a:t>13</a:t>
+            </a:r>
+            <a:r>
+              <a:rPr lang="en-US" dirty="0">
+                <a:ln w="0"/>
+                <a:solidFill>
+                  <a:schemeClr val="tx1"/>
+                </a:solidFill>
+                <a:latin typeface="Times New Roman" panose="02020603050405020304" pitchFamily="18" charset="0"/>
+                <a:cs typeface="Times New Roman" panose="02020603050405020304" pitchFamily="18" charset="0"/>
+              </a:rPr>
+              <a:t>/13</a:t>
+            </a:r>
           </a:p>
         </p:txBody>
       </p:sp>
@@ -4917,6 +6046,287 @@
           </a:p>
         </p:txBody>
       </p:sp>
+      <p:sp>
+        <p:nvSpPr>
+          <p:cNvPr id="6" name="Объект 2">
+            <a:extLst>
+              <a:ext uri="{FF2B5EF4-FFF2-40B4-BE49-F238E27FC236}">
+                <a16:creationId xmlns:a16="http://schemas.microsoft.com/office/drawing/2014/main" id="{7502EFC1-32F9-4F41-B759-077D03A42E7A}"/>
+              </a:ext>
+            </a:extLst>
+          </p:cNvPr>
+          <p:cNvSpPr txBox="1">
+            <a:spLocks/>
+          </p:cNvSpPr>
+          <p:nvPr/>
+        </p:nvSpPr>
+        <p:spPr>
+          <a:xfrm>
+            <a:off x="11303493" y="6323490"/>
+            <a:ext cx="737586" cy="374712"/>
+          </a:xfrm>
+          <a:prstGeom prst="rect">
+            <a:avLst/>
+          </a:prstGeom>
+        </p:spPr>
+        <p:txBody>
+          <a:bodyPr vert="horz" lIns="91440" tIns="45720" rIns="91440" bIns="45720" rtlCol="0">
+            <a:normAutofit/>
+          </a:bodyPr>
+          <a:lstStyle>
+            <a:lvl1pPr marL="228600" indent="-182880" algn="l" defTabSz="914400" rtl="0" eaLnBrk="1" latinLnBrk="0" hangingPunct="1">
+              <a:lnSpc>
+                <a:spcPct val="90000"/>
+              </a:lnSpc>
+              <a:spcBef>
+                <a:spcPts val="1400"/>
+              </a:spcBef>
+              <a:buClr>
+                <a:schemeClr val="accent1"/>
+              </a:buClr>
+              <a:buSzPct val="80000"/>
+              <a:buFont typeface="Corbel" pitchFamily="34" charset="0"/>
+              <a:buChar char="•"/>
+              <a:defRPr sz="2200" kern="1200">
+                <a:solidFill>
+                  <a:schemeClr val="accent1"/>
+                </a:solidFill>
+                <a:latin typeface="+mn-lt"/>
+                <a:ea typeface="+mn-ea"/>
+                <a:cs typeface="+mn-cs"/>
+              </a:defRPr>
+            </a:lvl1pPr>
+            <a:lvl2pPr marL="457200" indent="-182880" algn="l" defTabSz="914400" rtl="0" eaLnBrk="1" latinLnBrk="0" hangingPunct="1">
+              <a:lnSpc>
+                <a:spcPct val="90000"/>
+              </a:lnSpc>
+              <a:spcBef>
+                <a:spcPts val="200"/>
+              </a:spcBef>
+              <a:spcAft>
+                <a:spcPts val="400"/>
+              </a:spcAft>
+              <a:buClr>
+                <a:schemeClr val="accent1"/>
+              </a:buClr>
+              <a:buSzPct val="80000"/>
+              <a:buFont typeface="Corbel" pitchFamily="34" charset="0"/>
+              <a:buChar char="•"/>
+              <a:defRPr sz="2000" kern="1200">
+                <a:solidFill>
+                  <a:schemeClr val="accent1"/>
+                </a:solidFill>
+                <a:latin typeface="+mn-lt"/>
+                <a:ea typeface="+mn-ea"/>
+                <a:cs typeface="+mn-cs"/>
+              </a:defRPr>
+            </a:lvl2pPr>
+            <a:lvl3pPr marL="731520" indent="-182880" algn="l" defTabSz="914400" rtl="0" eaLnBrk="1" latinLnBrk="0" hangingPunct="1">
+              <a:lnSpc>
+                <a:spcPct val="90000"/>
+              </a:lnSpc>
+              <a:spcBef>
+                <a:spcPts val="200"/>
+              </a:spcBef>
+              <a:spcAft>
+                <a:spcPts val="400"/>
+              </a:spcAft>
+              <a:buClr>
+                <a:schemeClr val="accent1"/>
+              </a:buClr>
+              <a:buSzPct val="80000"/>
+              <a:buFont typeface="Corbel" pitchFamily="34" charset="0"/>
+              <a:buChar char="•"/>
+              <a:defRPr sz="1800" kern="1200">
+                <a:solidFill>
+                  <a:schemeClr val="accent1"/>
+                </a:solidFill>
+                <a:latin typeface="+mn-lt"/>
+                <a:ea typeface="+mn-ea"/>
+                <a:cs typeface="+mn-cs"/>
+              </a:defRPr>
+            </a:lvl3pPr>
+            <a:lvl4pPr marL="1005840" indent="-182880" algn="l" defTabSz="914400" rtl="0" eaLnBrk="1" latinLnBrk="0" hangingPunct="1">
+              <a:lnSpc>
+                <a:spcPct val="90000"/>
+              </a:lnSpc>
+              <a:spcBef>
+                <a:spcPts val="200"/>
+              </a:spcBef>
+              <a:spcAft>
+                <a:spcPts val="400"/>
+              </a:spcAft>
+              <a:buClr>
+                <a:schemeClr val="accent1"/>
+              </a:buClr>
+              <a:buSzPct val="80000"/>
+              <a:buFont typeface="Corbel" pitchFamily="34" charset="0"/>
+              <a:buChar char="•"/>
+              <a:defRPr sz="1600" kern="1200">
+                <a:solidFill>
+                  <a:schemeClr val="accent1"/>
+                </a:solidFill>
+                <a:latin typeface="+mn-lt"/>
+                <a:ea typeface="+mn-ea"/>
+                <a:cs typeface="+mn-cs"/>
+              </a:defRPr>
+            </a:lvl4pPr>
+            <a:lvl5pPr marL="1280160" indent="-182880" algn="l" defTabSz="914400" rtl="0" eaLnBrk="1" latinLnBrk="0" hangingPunct="1">
+              <a:lnSpc>
+                <a:spcPct val="90000"/>
+              </a:lnSpc>
+              <a:spcBef>
+                <a:spcPts val="200"/>
+              </a:spcBef>
+              <a:spcAft>
+                <a:spcPts val="400"/>
+              </a:spcAft>
+              <a:buClr>
+                <a:schemeClr val="accent1"/>
+              </a:buClr>
+              <a:buSzPct val="80000"/>
+              <a:buFont typeface="Corbel" pitchFamily="34" charset="0"/>
+              <a:buChar char="•"/>
+              <a:defRPr sz="1600" kern="1200">
+                <a:solidFill>
+                  <a:schemeClr val="accent1"/>
+                </a:solidFill>
+                <a:latin typeface="+mn-lt"/>
+                <a:ea typeface="+mn-ea"/>
+                <a:cs typeface="+mn-cs"/>
+              </a:defRPr>
+            </a:lvl5pPr>
+            <a:lvl6pPr marL="1600000" indent="-228600" algn="l" defTabSz="914400" rtl="0" eaLnBrk="1" latinLnBrk="0" hangingPunct="1">
+              <a:lnSpc>
+                <a:spcPct val="90000"/>
+              </a:lnSpc>
+              <a:spcBef>
+                <a:spcPts val="200"/>
+              </a:spcBef>
+              <a:spcAft>
+                <a:spcPts val="400"/>
+              </a:spcAft>
+              <a:buClr>
+                <a:schemeClr val="accent1"/>
+              </a:buClr>
+              <a:buSzPct val="80000"/>
+              <a:buFont typeface="Corbel" pitchFamily="34" charset="0"/>
+              <a:buChar char="•"/>
+              <a:defRPr sz="1600" kern="1200">
+                <a:solidFill>
+                  <a:schemeClr val="accent1"/>
+                </a:solidFill>
+                <a:latin typeface="+mn-lt"/>
+                <a:ea typeface="+mn-ea"/>
+                <a:cs typeface="+mn-cs"/>
+              </a:defRPr>
+            </a:lvl6pPr>
+            <a:lvl7pPr marL="1900000" indent="-228600" algn="l" defTabSz="914400" rtl="0" eaLnBrk="1" latinLnBrk="0" hangingPunct="1">
+              <a:lnSpc>
+                <a:spcPct val="90000"/>
+              </a:lnSpc>
+              <a:spcBef>
+                <a:spcPts val="200"/>
+              </a:spcBef>
+              <a:spcAft>
+                <a:spcPts val="400"/>
+              </a:spcAft>
+              <a:buClr>
+                <a:schemeClr val="accent1"/>
+              </a:buClr>
+              <a:buSzPct val="80000"/>
+              <a:buFont typeface="Corbel" pitchFamily="34" charset="0"/>
+              <a:buChar char="•"/>
+              <a:defRPr sz="1600" kern="1200">
+                <a:solidFill>
+                  <a:schemeClr val="accent1"/>
+                </a:solidFill>
+                <a:latin typeface="+mn-lt"/>
+                <a:ea typeface="+mn-ea"/>
+                <a:cs typeface="+mn-cs"/>
+              </a:defRPr>
+            </a:lvl7pPr>
+            <a:lvl8pPr marL="2200000" indent="-228600" algn="l" defTabSz="914400" rtl="0" eaLnBrk="1" latinLnBrk="0" hangingPunct="1">
+              <a:lnSpc>
+                <a:spcPct val="90000"/>
+              </a:lnSpc>
+              <a:spcBef>
+                <a:spcPts val="200"/>
+              </a:spcBef>
+              <a:spcAft>
+                <a:spcPts val="400"/>
+              </a:spcAft>
+              <a:buClr>
+                <a:schemeClr val="accent1"/>
+              </a:buClr>
+              <a:buSzPct val="80000"/>
+              <a:buFont typeface="Corbel" pitchFamily="34" charset="0"/>
+              <a:buChar char="•"/>
+              <a:defRPr sz="1600" kern="1200">
+                <a:solidFill>
+                  <a:schemeClr val="accent1"/>
+                </a:solidFill>
+                <a:latin typeface="+mn-lt"/>
+                <a:ea typeface="+mn-ea"/>
+                <a:cs typeface="+mn-cs"/>
+              </a:defRPr>
+            </a:lvl8pPr>
+            <a:lvl9pPr marL="2500000" indent="-228600" algn="l" defTabSz="914400" rtl="0" eaLnBrk="1" latinLnBrk="0" hangingPunct="1">
+              <a:lnSpc>
+                <a:spcPct val="90000"/>
+              </a:lnSpc>
+              <a:spcBef>
+                <a:spcPts val="200"/>
+              </a:spcBef>
+              <a:spcAft>
+                <a:spcPts val="400"/>
+              </a:spcAft>
+              <a:buClr>
+                <a:schemeClr val="accent1"/>
+              </a:buClr>
+              <a:buSzPct val="80000"/>
+              <a:buFont typeface="Corbel" pitchFamily="34" charset="0"/>
+              <a:buChar char="•"/>
+              <a:defRPr sz="1600" kern="1200">
+                <a:solidFill>
+                  <a:schemeClr val="accent1"/>
+                </a:solidFill>
+                <a:latin typeface="+mn-lt"/>
+                <a:ea typeface="+mn-ea"/>
+                <a:cs typeface="+mn-cs"/>
+              </a:defRPr>
+            </a:lvl9pPr>
+          </a:lstStyle>
+          <a:p>
+            <a:pPr marL="45720" indent="0">
+              <a:buFont typeface="Corbel" pitchFamily="34" charset="0"/>
+              <a:buNone/>
+            </a:pPr>
+            <a:r>
+              <a:rPr lang="ru-RU" sz="2000" dirty="0">
+                <a:ln w="0"/>
+                <a:solidFill>
+                  <a:schemeClr val="tx1"/>
+                </a:solidFill>
+                <a:latin typeface="Times New Roman" panose="02020603050405020304" pitchFamily="18" charset="0"/>
+                <a:cs typeface="Times New Roman" panose="02020603050405020304" pitchFamily="18" charset="0"/>
+              </a:rPr>
+              <a:t>2</a:t>
+            </a:r>
+            <a:r>
+              <a:rPr lang="en-US" sz="2000" dirty="0">
+                <a:ln w="0"/>
+                <a:solidFill>
+                  <a:schemeClr val="tx1"/>
+                </a:solidFill>
+                <a:latin typeface="Times New Roman" panose="02020603050405020304" pitchFamily="18" charset="0"/>
+                <a:cs typeface="Times New Roman" panose="02020603050405020304" pitchFamily="18" charset="0"/>
+              </a:rPr>
+              <a:t>/13</a:t>
+            </a:r>
+          </a:p>
+        </p:txBody>
+      </p:sp>
     </p:spTree>
     <p:extLst>
       <p:ext uri="{BB962C8B-B14F-4D97-AF65-F5344CB8AC3E}">
@@ -5087,6 +6497,287 @@
                 <a:cs typeface="Times New Roman" panose="02020603050405020304" pitchFamily="18" charset="0"/>
               </a:rPr>
               <a:t>Главная цель приложения «Ветеринарная клиника» это облегчить процесс взаимодействия клиента и ветеринарной клиники.</a:t>
+            </a:r>
+          </a:p>
+        </p:txBody>
+      </p:sp>
+      <p:sp>
+        <p:nvSpPr>
+          <p:cNvPr id="6" name="Объект 2">
+            <a:extLst>
+              <a:ext uri="{FF2B5EF4-FFF2-40B4-BE49-F238E27FC236}">
+                <a16:creationId xmlns:a16="http://schemas.microsoft.com/office/drawing/2014/main" id="{72C0F2A9-A89D-4EB2-9178-719F4FB5009A}"/>
+              </a:ext>
+            </a:extLst>
+          </p:cNvPr>
+          <p:cNvSpPr txBox="1">
+            <a:spLocks/>
+          </p:cNvSpPr>
+          <p:nvPr/>
+        </p:nvSpPr>
+        <p:spPr>
+          <a:xfrm>
+            <a:off x="11303493" y="6323490"/>
+            <a:ext cx="737586" cy="374712"/>
+          </a:xfrm>
+          <a:prstGeom prst="rect">
+            <a:avLst/>
+          </a:prstGeom>
+        </p:spPr>
+        <p:txBody>
+          <a:bodyPr vert="horz" lIns="91440" tIns="45720" rIns="91440" bIns="45720" rtlCol="0">
+            <a:normAutofit/>
+          </a:bodyPr>
+          <a:lstStyle>
+            <a:lvl1pPr marL="228600" indent="-182880" algn="l" defTabSz="914400" rtl="0" eaLnBrk="1" latinLnBrk="0" hangingPunct="1">
+              <a:lnSpc>
+                <a:spcPct val="90000"/>
+              </a:lnSpc>
+              <a:spcBef>
+                <a:spcPts val="1400"/>
+              </a:spcBef>
+              <a:buClr>
+                <a:schemeClr val="accent1"/>
+              </a:buClr>
+              <a:buSzPct val="80000"/>
+              <a:buFont typeface="Corbel" pitchFamily="34" charset="0"/>
+              <a:buChar char="•"/>
+              <a:defRPr sz="2200" kern="1200">
+                <a:solidFill>
+                  <a:schemeClr val="accent1"/>
+                </a:solidFill>
+                <a:latin typeface="+mn-lt"/>
+                <a:ea typeface="+mn-ea"/>
+                <a:cs typeface="+mn-cs"/>
+              </a:defRPr>
+            </a:lvl1pPr>
+            <a:lvl2pPr marL="457200" indent="-182880" algn="l" defTabSz="914400" rtl="0" eaLnBrk="1" latinLnBrk="0" hangingPunct="1">
+              <a:lnSpc>
+                <a:spcPct val="90000"/>
+              </a:lnSpc>
+              <a:spcBef>
+                <a:spcPts val="200"/>
+              </a:spcBef>
+              <a:spcAft>
+                <a:spcPts val="400"/>
+              </a:spcAft>
+              <a:buClr>
+                <a:schemeClr val="accent1"/>
+              </a:buClr>
+              <a:buSzPct val="80000"/>
+              <a:buFont typeface="Corbel" pitchFamily="34" charset="0"/>
+              <a:buChar char="•"/>
+              <a:defRPr sz="2000" kern="1200">
+                <a:solidFill>
+                  <a:schemeClr val="accent1"/>
+                </a:solidFill>
+                <a:latin typeface="+mn-lt"/>
+                <a:ea typeface="+mn-ea"/>
+                <a:cs typeface="+mn-cs"/>
+              </a:defRPr>
+            </a:lvl2pPr>
+            <a:lvl3pPr marL="731520" indent="-182880" algn="l" defTabSz="914400" rtl="0" eaLnBrk="1" latinLnBrk="0" hangingPunct="1">
+              <a:lnSpc>
+                <a:spcPct val="90000"/>
+              </a:lnSpc>
+              <a:spcBef>
+                <a:spcPts val="200"/>
+              </a:spcBef>
+              <a:spcAft>
+                <a:spcPts val="400"/>
+              </a:spcAft>
+              <a:buClr>
+                <a:schemeClr val="accent1"/>
+              </a:buClr>
+              <a:buSzPct val="80000"/>
+              <a:buFont typeface="Corbel" pitchFamily="34" charset="0"/>
+              <a:buChar char="•"/>
+              <a:defRPr sz="1800" kern="1200">
+                <a:solidFill>
+                  <a:schemeClr val="accent1"/>
+                </a:solidFill>
+                <a:latin typeface="+mn-lt"/>
+                <a:ea typeface="+mn-ea"/>
+                <a:cs typeface="+mn-cs"/>
+              </a:defRPr>
+            </a:lvl3pPr>
+            <a:lvl4pPr marL="1005840" indent="-182880" algn="l" defTabSz="914400" rtl="0" eaLnBrk="1" latinLnBrk="0" hangingPunct="1">
+              <a:lnSpc>
+                <a:spcPct val="90000"/>
+              </a:lnSpc>
+              <a:spcBef>
+                <a:spcPts val="200"/>
+              </a:spcBef>
+              <a:spcAft>
+                <a:spcPts val="400"/>
+              </a:spcAft>
+              <a:buClr>
+                <a:schemeClr val="accent1"/>
+              </a:buClr>
+              <a:buSzPct val="80000"/>
+              <a:buFont typeface="Corbel" pitchFamily="34" charset="0"/>
+              <a:buChar char="•"/>
+              <a:defRPr sz="1600" kern="1200">
+                <a:solidFill>
+                  <a:schemeClr val="accent1"/>
+                </a:solidFill>
+                <a:latin typeface="+mn-lt"/>
+                <a:ea typeface="+mn-ea"/>
+                <a:cs typeface="+mn-cs"/>
+              </a:defRPr>
+            </a:lvl4pPr>
+            <a:lvl5pPr marL="1280160" indent="-182880" algn="l" defTabSz="914400" rtl="0" eaLnBrk="1" latinLnBrk="0" hangingPunct="1">
+              <a:lnSpc>
+                <a:spcPct val="90000"/>
+              </a:lnSpc>
+              <a:spcBef>
+                <a:spcPts val="200"/>
+              </a:spcBef>
+              <a:spcAft>
+                <a:spcPts val="400"/>
+              </a:spcAft>
+              <a:buClr>
+                <a:schemeClr val="accent1"/>
+              </a:buClr>
+              <a:buSzPct val="80000"/>
+              <a:buFont typeface="Corbel" pitchFamily="34" charset="0"/>
+              <a:buChar char="•"/>
+              <a:defRPr sz="1600" kern="1200">
+                <a:solidFill>
+                  <a:schemeClr val="accent1"/>
+                </a:solidFill>
+                <a:latin typeface="+mn-lt"/>
+                <a:ea typeface="+mn-ea"/>
+                <a:cs typeface="+mn-cs"/>
+              </a:defRPr>
+            </a:lvl5pPr>
+            <a:lvl6pPr marL="1600000" indent="-228600" algn="l" defTabSz="914400" rtl="0" eaLnBrk="1" latinLnBrk="0" hangingPunct="1">
+              <a:lnSpc>
+                <a:spcPct val="90000"/>
+              </a:lnSpc>
+              <a:spcBef>
+                <a:spcPts val="200"/>
+              </a:spcBef>
+              <a:spcAft>
+                <a:spcPts val="400"/>
+              </a:spcAft>
+              <a:buClr>
+                <a:schemeClr val="accent1"/>
+              </a:buClr>
+              <a:buSzPct val="80000"/>
+              <a:buFont typeface="Corbel" pitchFamily="34" charset="0"/>
+              <a:buChar char="•"/>
+              <a:defRPr sz="1600" kern="1200">
+                <a:solidFill>
+                  <a:schemeClr val="accent1"/>
+                </a:solidFill>
+                <a:latin typeface="+mn-lt"/>
+                <a:ea typeface="+mn-ea"/>
+                <a:cs typeface="+mn-cs"/>
+              </a:defRPr>
+            </a:lvl6pPr>
+            <a:lvl7pPr marL="1900000" indent="-228600" algn="l" defTabSz="914400" rtl="0" eaLnBrk="1" latinLnBrk="0" hangingPunct="1">
+              <a:lnSpc>
+                <a:spcPct val="90000"/>
+              </a:lnSpc>
+              <a:spcBef>
+                <a:spcPts val="200"/>
+              </a:spcBef>
+              <a:spcAft>
+                <a:spcPts val="400"/>
+              </a:spcAft>
+              <a:buClr>
+                <a:schemeClr val="accent1"/>
+              </a:buClr>
+              <a:buSzPct val="80000"/>
+              <a:buFont typeface="Corbel" pitchFamily="34" charset="0"/>
+              <a:buChar char="•"/>
+              <a:defRPr sz="1600" kern="1200">
+                <a:solidFill>
+                  <a:schemeClr val="accent1"/>
+                </a:solidFill>
+                <a:latin typeface="+mn-lt"/>
+                <a:ea typeface="+mn-ea"/>
+                <a:cs typeface="+mn-cs"/>
+              </a:defRPr>
+            </a:lvl7pPr>
+            <a:lvl8pPr marL="2200000" indent="-228600" algn="l" defTabSz="914400" rtl="0" eaLnBrk="1" latinLnBrk="0" hangingPunct="1">
+              <a:lnSpc>
+                <a:spcPct val="90000"/>
+              </a:lnSpc>
+              <a:spcBef>
+                <a:spcPts val="200"/>
+              </a:spcBef>
+              <a:spcAft>
+                <a:spcPts val="400"/>
+              </a:spcAft>
+              <a:buClr>
+                <a:schemeClr val="accent1"/>
+              </a:buClr>
+              <a:buSzPct val="80000"/>
+              <a:buFont typeface="Corbel" pitchFamily="34" charset="0"/>
+              <a:buChar char="•"/>
+              <a:defRPr sz="1600" kern="1200">
+                <a:solidFill>
+                  <a:schemeClr val="accent1"/>
+                </a:solidFill>
+                <a:latin typeface="+mn-lt"/>
+                <a:ea typeface="+mn-ea"/>
+                <a:cs typeface="+mn-cs"/>
+              </a:defRPr>
+            </a:lvl8pPr>
+            <a:lvl9pPr marL="2500000" indent="-228600" algn="l" defTabSz="914400" rtl="0" eaLnBrk="1" latinLnBrk="0" hangingPunct="1">
+              <a:lnSpc>
+                <a:spcPct val="90000"/>
+              </a:lnSpc>
+              <a:spcBef>
+                <a:spcPts val="200"/>
+              </a:spcBef>
+              <a:spcAft>
+                <a:spcPts val="400"/>
+              </a:spcAft>
+              <a:buClr>
+                <a:schemeClr val="accent1"/>
+              </a:buClr>
+              <a:buSzPct val="80000"/>
+              <a:buFont typeface="Corbel" pitchFamily="34" charset="0"/>
+              <a:buChar char="•"/>
+              <a:defRPr sz="1600" kern="1200">
+                <a:solidFill>
+                  <a:schemeClr val="accent1"/>
+                </a:solidFill>
+                <a:latin typeface="+mn-lt"/>
+                <a:ea typeface="+mn-ea"/>
+                <a:cs typeface="+mn-cs"/>
+              </a:defRPr>
+            </a:lvl9pPr>
+          </a:lstStyle>
+          <a:p>
+            <a:pPr marL="45720" indent="0">
+              <a:buFont typeface="Corbel" pitchFamily="34" charset="0"/>
+              <a:buNone/>
+            </a:pPr>
+            <a:r>
+              <a:rPr lang="ru-RU" sz="2000" dirty="0">
+                <a:ln w="0"/>
+                <a:solidFill>
+                  <a:schemeClr val="tx1"/>
+                </a:solidFill>
+                <a:latin typeface="Times New Roman" panose="02020603050405020304" pitchFamily="18" charset="0"/>
+                <a:cs typeface="Times New Roman" panose="02020603050405020304" pitchFamily="18" charset="0"/>
+              </a:rPr>
+              <a:t>3</a:t>
+            </a:r>
+            <a:r>
+              <a:rPr lang="en-US" sz="2000" dirty="0">
+                <a:ln w="0"/>
+                <a:solidFill>
+                  <a:schemeClr val="tx1"/>
+                </a:solidFill>
+                <a:latin typeface="Times New Roman" panose="02020603050405020304" pitchFamily="18" charset="0"/>
+                <a:cs typeface="Times New Roman" panose="02020603050405020304" pitchFamily="18" charset="0"/>
+              </a:rPr>
+              <a:t>/13</a:t>
             </a:r>
           </a:p>
         </p:txBody>
@@ -5797,6 +7488,287 @@
           </a:extLst>
         </p:spPr>
       </p:pic>
+      <p:sp>
+        <p:nvSpPr>
+          <p:cNvPr id="11" name="Объект 2">
+            <a:extLst>
+              <a:ext uri="{FF2B5EF4-FFF2-40B4-BE49-F238E27FC236}">
+                <a16:creationId xmlns:a16="http://schemas.microsoft.com/office/drawing/2014/main" id="{4DF9614A-DF94-466B-939D-D83F4ECDBF59}"/>
+              </a:ext>
+            </a:extLst>
+          </p:cNvPr>
+          <p:cNvSpPr txBox="1">
+            <a:spLocks/>
+          </p:cNvSpPr>
+          <p:nvPr/>
+        </p:nvSpPr>
+        <p:spPr>
+          <a:xfrm>
+            <a:off x="11303493" y="6323490"/>
+            <a:ext cx="737586" cy="374712"/>
+          </a:xfrm>
+          <a:prstGeom prst="rect">
+            <a:avLst/>
+          </a:prstGeom>
+        </p:spPr>
+        <p:txBody>
+          <a:bodyPr vert="horz" lIns="91440" tIns="45720" rIns="91440" bIns="45720" rtlCol="0">
+            <a:normAutofit/>
+          </a:bodyPr>
+          <a:lstStyle>
+            <a:lvl1pPr marL="228600" indent="-182880" algn="l" defTabSz="914400" rtl="0" eaLnBrk="1" latinLnBrk="0" hangingPunct="1">
+              <a:lnSpc>
+                <a:spcPct val="90000"/>
+              </a:lnSpc>
+              <a:spcBef>
+                <a:spcPts val="1400"/>
+              </a:spcBef>
+              <a:buClr>
+                <a:schemeClr val="accent1"/>
+              </a:buClr>
+              <a:buSzPct val="80000"/>
+              <a:buFont typeface="Corbel" pitchFamily="34" charset="0"/>
+              <a:buChar char="•"/>
+              <a:defRPr sz="2200" kern="1200">
+                <a:solidFill>
+                  <a:schemeClr val="accent1"/>
+                </a:solidFill>
+                <a:latin typeface="+mn-lt"/>
+                <a:ea typeface="+mn-ea"/>
+                <a:cs typeface="+mn-cs"/>
+              </a:defRPr>
+            </a:lvl1pPr>
+            <a:lvl2pPr marL="457200" indent="-182880" algn="l" defTabSz="914400" rtl="0" eaLnBrk="1" latinLnBrk="0" hangingPunct="1">
+              <a:lnSpc>
+                <a:spcPct val="90000"/>
+              </a:lnSpc>
+              <a:spcBef>
+                <a:spcPts val="200"/>
+              </a:spcBef>
+              <a:spcAft>
+                <a:spcPts val="400"/>
+              </a:spcAft>
+              <a:buClr>
+                <a:schemeClr val="accent1"/>
+              </a:buClr>
+              <a:buSzPct val="80000"/>
+              <a:buFont typeface="Corbel" pitchFamily="34" charset="0"/>
+              <a:buChar char="•"/>
+              <a:defRPr sz="2000" kern="1200">
+                <a:solidFill>
+                  <a:schemeClr val="accent1"/>
+                </a:solidFill>
+                <a:latin typeface="+mn-lt"/>
+                <a:ea typeface="+mn-ea"/>
+                <a:cs typeface="+mn-cs"/>
+              </a:defRPr>
+            </a:lvl2pPr>
+            <a:lvl3pPr marL="731520" indent="-182880" algn="l" defTabSz="914400" rtl="0" eaLnBrk="1" latinLnBrk="0" hangingPunct="1">
+              <a:lnSpc>
+                <a:spcPct val="90000"/>
+              </a:lnSpc>
+              <a:spcBef>
+                <a:spcPts val="200"/>
+              </a:spcBef>
+              <a:spcAft>
+                <a:spcPts val="400"/>
+              </a:spcAft>
+              <a:buClr>
+                <a:schemeClr val="accent1"/>
+              </a:buClr>
+              <a:buSzPct val="80000"/>
+              <a:buFont typeface="Corbel" pitchFamily="34" charset="0"/>
+              <a:buChar char="•"/>
+              <a:defRPr sz="1800" kern="1200">
+                <a:solidFill>
+                  <a:schemeClr val="accent1"/>
+                </a:solidFill>
+                <a:latin typeface="+mn-lt"/>
+                <a:ea typeface="+mn-ea"/>
+                <a:cs typeface="+mn-cs"/>
+              </a:defRPr>
+            </a:lvl3pPr>
+            <a:lvl4pPr marL="1005840" indent="-182880" algn="l" defTabSz="914400" rtl="0" eaLnBrk="1" latinLnBrk="0" hangingPunct="1">
+              <a:lnSpc>
+                <a:spcPct val="90000"/>
+              </a:lnSpc>
+              <a:spcBef>
+                <a:spcPts val="200"/>
+              </a:spcBef>
+              <a:spcAft>
+                <a:spcPts val="400"/>
+              </a:spcAft>
+              <a:buClr>
+                <a:schemeClr val="accent1"/>
+              </a:buClr>
+              <a:buSzPct val="80000"/>
+              <a:buFont typeface="Corbel" pitchFamily="34" charset="0"/>
+              <a:buChar char="•"/>
+              <a:defRPr sz="1600" kern="1200">
+                <a:solidFill>
+                  <a:schemeClr val="accent1"/>
+                </a:solidFill>
+                <a:latin typeface="+mn-lt"/>
+                <a:ea typeface="+mn-ea"/>
+                <a:cs typeface="+mn-cs"/>
+              </a:defRPr>
+            </a:lvl4pPr>
+            <a:lvl5pPr marL="1280160" indent="-182880" algn="l" defTabSz="914400" rtl="0" eaLnBrk="1" latinLnBrk="0" hangingPunct="1">
+              <a:lnSpc>
+                <a:spcPct val="90000"/>
+              </a:lnSpc>
+              <a:spcBef>
+                <a:spcPts val="200"/>
+              </a:spcBef>
+              <a:spcAft>
+                <a:spcPts val="400"/>
+              </a:spcAft>
+              <a:buClr>
+                <a:schemeClr val="accent1"/>
+              </a:buClr>
+              <a:buSzPct val="80000"/>
+              <a:buFont typeface="Corbel" pitchFamily="34" charset="0"/>
+              <a:buChar char="•"/>
+              <a:defRPr sz="1600" kern="1200">
+                <a:solidFill>
+                  <a:schemeClr val="accent1"/>
+                </a:solidFill>
+                <a:latin typeface="+mn-lt"/>
+                <a:ea typeface="+mn-ea"/>
+                <a:cs typeface="+mn-cs"/>
+              </a:defRPr>
+            </a:lvl5pPr>
+            <a:lvl6pPr marL="1600000" indent="-228600" algn="l" defTabSz="914400" rtl="0" eaLnBrk="1" latinLnBrk="0" hangingPunct="1">
+              <a:lnSpc>
+                <a:spcPct val="90000"/>
+              </a:lnSpc>
+              <a:spcBef>
+                <a:spcPts val="200"/>
+              </a:spcBef>
+              <a:spcAft>
+                <a:spcPts val="400"/>
+              </a:spcAft>
+              <a:buClr>
+                <a:schemeClr val="accent1"/>
+              </a:buClr>
+              <a:buSzPct val="80000"/>
+              <a:buFont typeface="Corbel" pitchFamily="34" charset="0"/>
+              <a:buChar char="•"/>
+              <a:defRPr sz="1600" kern="1200">
+                <a:solidFill>
+                  <a:schemeClr val="accent1"/>
+                </a:solidFill>
+                <a:latin typeface="+mn-lt"/>
+                <a:ea typeface="+mn-ea"/>
+                <a:cs typeface="+mn-cs"/>
+              </a:defRPr>
+            </a:lvl6pPr>
+            <a:lvl7pPr marL="1900000" indent="-228600" algn="l" defTabSz="914400" rtl="0" eaLnBrk="1" latinLnBrk="0" hangingPunct="1">
+              <a:lnSpc>
+                <a:spcPct val="90000"/>
+              </a:lnSpc>
+              <a:spcBef>
+                <a:spcPts val="200"/>
+              </a:spcBef>
+              <a:spcAft>
+                <a:spcPts val="400"/>
+              </a:spcAft>
+              <a:buClr>
+                <a:schemeClr val="accent1"/>
+              </a:buClr>
+              <a:buSzPct val="80000"/>
+              <a:buFont typeface="Corbel" pitchFamily="34" charset="0"/>
+              <a:buChar char="•"/>
+              <a:defRPr sz="1600" kern="1200">
+                <a:solidFill>
+                  <a:schemeClr val="accent1"/>
+                </a:solidFill>
+                <a:latin typeface="+mn-lt"/>
+                <a:ea typeface="+mn-ea"/>
+                <a:cs typeface="+mn-cs"/>
+              </a:defRPr>
+            </a:lvl7pPr>
+            <a:lvl8pPr marL="2200000" indent="-228600" algn="l" defTabSz="914400" rtl="0" eaLnBrk="1" latinLnBrk="0" hangingPunct="1">
+              <a:lnSpc>
+                <a:spcPct val="90000"/>
+              </a:lnSpc>
+              <a:spcBef>
+                <a:spcPts val="200"/>
+              </a:spcBef>
+              <a:spcAft>
+                <a:spcPts val="400"/>
+              </a:spcAft>
+              <a:buClr>
+                <a:schemeClr val="accent1"/>
+              </a:buClr>
+              <a:buSzPct val="80000"/>
+              <a:buFont typeface="Corbel" pitchFamily="34" charset="0"/>
+              <a:buChar char="•"/>
+              <a:defRPr sz="1600" kern="1200">
+                <a:solidFill>
+                  <a:schemeClr val="accent1"/>
+                </a:solidFill>
+                <a:latin typeface="+mn-lt"/>
+                <a:ea typeface="+mn-ea"/>
+                <a:cs typeface="+mn-cs"/>
+              </a:defRPr>
+            </a:lvl8pPr>
+            <a:lvl9pPr marL="2500000" indent="-228600" algn="l" defTabSz="914400" rtl="0" eaLnBrk="1" latinLnBrk="0" hangingPunct="1">
+              <a:lnSpc>
+                <a:spcPct val="90000"/>
+              </a:lnSpc>
+              <a:spcBef>
+                <a:spcPts val="200"/>
+              </a:spcBef>
+              <a:spcAft>
+                <a:spcPts val="400"/>
+              </a:spcAft>
+              <a:buClr>
+                <a:schemeClr val="accent1"/>
+              </a:buClr>
+              <a:buSzPct val="80000"/>
+              <a:buFont typeface="Corbel" pitchFamily="34" charset="0"/>
+              <a:buChar char="•"/>
+              <a:defRPr sz="1600" kern="1200">
+                <a:solidFill>
+                  <a:schemeClr val="accent1"/>
+                </a:solidFill>
+                <a:latin typeface="+mn-lt"/>
+                <a:ea typeface="+mn-ea"/>
+                <a:cs typeface="+mn-cs"/>
+              </a:defRPr>
+            </a:lvl9pPr>
+          </a:lstStyle>
+          <a:p>
+            <a:pPr marL="45720" indent="0">
+              <a:buFont typeface="Corbel" pitchFamily="34" charset="0"/>
+              <a:buNone/>
+            </a:pPr>
+            <a:r>
+              <a:rPr lang="ru-RU" sz="2000" dirty="0">
+                <a:ln w="0"/>
+                <a:solidFill>
+                  <a:schemeClr val="tx1"/>
+                </a:solidFill>
+                <a:latin typeface="Times New Roman" panose="02020603050405020304" pitchFamily="18" charset="0"/>
+                <a:cs typeface="Times New Roman" panose="02020603050405020304" pitchFamily="18" charset="0"/>
+              </a:rPr>
+              <a:t>4</a:t>
+            </a:r>
+            <a:r>
+              <a:rPr lang="en-US" sz="2000" dirty="0">
+                <a:ln w="0"/>
+                <a:solidFill>
+                  <a:schemeClr val="tx1"/>
+                </a:solidFill>
+                <a:latin typeface="Times New Roman" panose="02020603050405020304" pitchFamily="18" charset="0"/>
+                <a:cs typeface="Times New Roman" panose="02020603050405020304" pitchFamily="18" charset="0"/>
+              </a:rPr>
+              <a:t>/13</a:t>
+            </a:r>
+          </a:p>
+        </p:txBody>
+      </p:sp>
     </p:spTree>
     <p:extLst>
       <p:ext uri="{BB962C8B-B14F-4D97-AF65-F5344CB8AC3E}">
@@ -5963,6 +7935,287 @@
           </a:ln>
         </p:spPr>
       </p:pic>
+      <p:sp>
+        <p:nvSpPr>
+          <p:cNvPr id="8" name="Объект 2">
+            <a:extLst>
+              <a:ext uri="{FF2B5EF4-FFF2-40B4-BE49-F238E27FC236}">
+                <a16:creationId xmlns:a16="http://schemas.microsoft.com/office/drawing/2014/main" id="{66E8C9E4-DD8D-4C0C-9101-1D78693E2D50}"/>
+              </a:ext>
+            </a:extLst>
+          </p:cNvPr>
+          <p:cNvSpPr txBox="1">
+            <a:spLocks/>
+          </p:cNvSpPr>
+          <p:nvPr/>
+        </p:nvSpPr>
+        <p:spPr>
+          <a:xfrm>
+            <a:off x="11303493" y="6323490"/>
+            <a:ext cx="737586" cy="374712"/>
+          </a:xfrm>
+          <a:prstGeom prst="rect">
+            <a:avLst/>
+          </a:prstGeom>
+        </p:spPr>
+        <p:txBody>
+          <a:bodyPr vert="horz" lIns="91440" tIns="45720" rIns="91440" bIns="45720" rtlCol="0">
+            <a:normAutofit/>
+          </a:bodyPr>
+          <a:lstStyle>
+            <a:lvl1pPr marL="228600" indent="-182880" algn="l" defTabSz="914400" rtl="0" eaLnBrk="1" latinLnBrk="0" hangingPunct="1">
+              <a:lnSpc>
+                <a:spcPct val="90000"/>
+              </a:lnSpc>
+              <a:spcBef>
+                <a:spcPts val="1400"/>
+              </a:spcBef>
+              <a:buClr>
+                <a:schemeClr val="accent1"/>
+              </a:buClr>
+              <a:buSzPct val="80000"/>
+              <a:buFont typeface="Corbel" pitchFamily="34" charset="0"/>
+              <a:buChar char="•"/>
+              <a:defRPr sz="2200" kern="1200">
+                <a:solidFill>
+                  <a:schemeClr val="accent1"/>
+                </a:solidFill>
+                <a:latin typeface="+mn-lt"/>
+                <a:ea typeface="+mn-ea"/>
+                <a:cs typeface="+mn-cs"/>
+              </a:defRPr>
+            </a:lvl1pPr>
+            <a:lvl2pPr marL="457200" indent="-182880" algn="l" defTabSz="914400" rtl="0" eaLnBrk="1" latinLnBrk="0" hangingPunct="1">
+              <a:lnSpc>
+                <a:spcPct val="90000"/>
+              </a:lnSpc>
+              <a:spcBef>
+                <a:spcPts val="200"/>
+              </a:spcBef>
+              <a:spcAft>
+                <a:spcPts val="400"/>
+              </a:spcAft>
+              <a:buClr>
+                <a:schemeClr val="accent1"/>
+              </a:buClr>
+              <a:buSzPct val="80000"/>
+              <a:buFont typeface="Corbel" pitchFamily="34" charset="0"/>
+              <a:buChar char="•"/>
+              <a:defRPr sz="2000" kern="1200">
+                <a:solidFill>
+                  <a:schemeClr val="accent1"/>
+                </a:solidFill>
+                <a:latin typeface="+mn-lt"/>
+                <a:ea typeface="+mn-ea"/>
+                <a:cs typeface="+mn-cs"/>
+              </a:defRPr>
+            </a:lvl2pPr>
+            <a:lvl3pPr marL="731520" indent="-182880" algn="l" defTabSz="914400" rtl="0" eaLnBrk="1" latinLnBrk="0" hangingPunct="1">
+              <a:lnSpc>
+                <a:spcPct val="90000"/>
+              </a:lnSpc>
+              <a:spcBef>
+                <a:spcPts val="200"/>
+              </a:spcBef>
+              <a:spcAft>
+                <a:spcPts val="400"/>
+              </a:spcAft>
+              <a:buClr>
+                <a:schemeClr val="accent1"/>
+              </a:buClr>
+              <a:buSzPct val="80000"/>
+              <a:buFont typeface="Corbel" pitchFamily="34" charset="0"/>
+              <a:buChar char="•"/>
+              <a:defRPr sz="1800" kern="1200">
+                <a:solidFill>
+                  <a:schemeClr val="accent1"/>
+                </a:solidFill>
+                <a:latin typeface="+mn-lt"/>
+                <a:ea typeface="+mn-ea"/>
+                <a:cs typeface="+mn-cs"/>
+              </a:defRPr>
+            </a:lvl3pPr>
+            <a:lvl4pPr marL="1005840" indent="-182880" algn="l" defTabSz="914400" rtl="0" eaLnBrk="1" latinLnBrk="0" hangingPunct="1">
+              <a:lnSpc>
+                <a:spcPct val="90000"/>
+              </a:lnSpc>
+              <a:spcBef>
+                <a:spcPts val="200"/>
+              </a:spcBef>
+              <a:spcAft>
+                <a:spcPts val="400"/>
+              </a:spcAft>
+              <a:buClr>
+                <a:schemeClr val="accent1"/>
+              </a:buClr>
+              <a:buSzPct val="80000"/>
+              <a:buFont typeface="Corbel" pitchFamily="34" charset="0"/>
+              <a:buChar char="•"/>
+              <a:defRPr sz="1600" kern="1200">
+                <a:solidFill>
+                  <a:schemeClr val="accent1"/>
+                </a:solidFill>
+                <a:latin typeface="+mn-lt"/>
+                <a:ea typeface="+mn-ea"/>
+                <a:cs typeface="+mn-cs"/>
+              </a:defRPr>
+            </a:lvl4pPr>
+            <a:lvl5pPr marL="1280160" indent="-182880" algn="l" defTabSz="914400" rtl="0" eaLnBrk="1" latinLnBrk="0" hangingPunct="1">
+              <a:lnSpc>
+                <a:spcPct val="90000"/>
+              </a:lnSpc>
+              <a:spcBef>
+                <a:spcPts val="200"/>
+              </a:spcBef>
+              <a:spcAft>
+                <a:spcPts val="400"/>
+              </a:spcAft>
+              <a:buClr>
+                <a:schemeClr val="accent1"/>
+              </a:buClr>
+              <a:buSzPct val="80000"/>
+              <a:buFont typeface="Corbel" pitchFamily="34" charset="0"/>
+              <a:buChar char="•"/>
+              <a:defRPr sz="1600" kern="1200">
+                <a:solidFill>
+                  <a:schemeClr val="accent1"/>
+                </a:solidFill>
+                <a:latin typeface="+mn-lt"/>
+                <a:ea typeface="+mn-ea"/>
+                <a:cs typeface="+mn-cs"/>
+              </a:defRPr>
+            </a:lvl5pPr>
+            <a:lvl6pPr marL="1600000" indent="-228600" algn="l" defTabSz="914400" rtl="0" eaLnBrk="1" latinLnBrk="0" hangingPunct="1">
+              <a:lnSpc>
+                <a:spcPct val="90000"/>
+              </a:lnSpc>
+              <a:spcBef>
+                <a:spcPts val="200"/>
+              </a:spcBef>
+              <a:spcAft>
+                <a:spcPts val="400"/>
+              </a:spcAft>
+              <a:buClr>
+                <a:schemeClr val="accent1"/>
+              </a:buClr>
+              <a:buSzPct val="80000"/>
+              <a:buFont typeface="Corbel" pitchFamily="34" charset="0"/>
+              <a:buChar char="•"/>
+              <a:defRPr sz="1600" kern="1200">
+                <a:solidFill>
+                  <a:schemeClr val="accent1"/>
+                </a:solidFill>
+                <a:latin typeface="+mn-lt"/>
+                <a:ea typeface="+mn-ea"/>
+                <a:cs typeface="+mn-cs"/>
+              </a:defRPr>
+            </a:lvl6pPr>
+            <a:lvl7pPr marL="1900000" indent="-228600" algn="l" defTabSz="914400" rtl="0" eaLnBrk="1" latinLnBrk="0" hangingPunct="1">
+              <a:lnSpc>
+                <a:spcPct val="90000"/>
+              </a:lnSpc>
+              <a:spcBef>
+                <a:spcPts val="200"/>
+              </a:spcBef>
+              <a:spcAft>
+                <a:spcPts val="400"/>
+              </a:spcAft>
+              <a:buClr>
+                <a:schemeClr val="accent1"/>
+              </a:buClr>
+              <a:buSzPct val="80000"/>
+              <a:buFont typeface="Corbel" pitchFamily="34" charset="0"/>
+              <a:buChar char="•"/>
+              <a:defRPr sz="1600" kern="1200">
+                <a:solidFill>
+                  <a:schemeClr val="accent1"/>
+                </a:solidFill>
+                <a:latin typeface="+mn-lt"/>
+                <a:ea typeface="+mn-ea"/>
+                <a:cs typeface="+mn-cs"/>
+              </a:defRPr>
+            </a:lvl7pPr>
+            <a:lvl8pPr marL="2200000" indent="-228600" algn="l" defTabSz="914400" rtl="0" eaLnBrk="1" latinLnBrk="0" hangingPunct="1">
+              <a:lnSpc>
+                <a:spcPct val="90000"/>
+              </a:lnSpc>
+              <a:spcBef>
+                <a:spcPts val="200"/>
+              </a:spcBef>
+              <a:spcAft>
+                <a:spcPts val="400"/>
+              </a:spcAft>
+              <a:buClr>
+                <a:schemeClr val="accent1"/>
+              </a:buClr>
+              <a:buSzPct val="80000"/>
+              <a:buFont typeface="Corbel" pitchFamily="34" charset="0"/>
+              <a:buChar char="•"/>
+              <a:defRPr sz="1600" kern="1200">
+                <a:solidFill>
+                  <a:schemeClr val="accent1"/>
+                </a:solidFill>
+                <a:latin typeface="+mn-lt"/>
+                <a:ea typeface="+mn-ea"/>
+                <a:cs typeface="+mn-cs"/>
+              </a:defRPr>
+            </a:lvl8pPr>
+            <a:lvl9pPr marL="2500000" indent="-228600" algn="l" defTabSz="914400" rtl="0" eaLnBrk="1" latinLnBrk="0" hangingPunct="1">
+              <a:lnSpc>
+                <a:spcPct val="90000"/>
+              </a:lnSpc>
+              <a:spcBef>
+                <a:spcPts val="200"/>
+              </a:spcBef>
+              <a:spcAft>
+                <a:spcPts val="400"/>
+              </a:spcAft>
+              <a:buClr>
+                <a:schemeClr val="accent1"/>
+              </a:buClr>
+              <a:buSzPct val="80000"/>
+              <a:buFont typeface="Corbel" pitchFamily="34" charset="0"/>
+              <a:buChar char="•"/>
+              <a:defRPr sz="1600" kern="1200">
+                <a:solidFill>
+                  <a:schemeClr val="accent1"/>
+                </a:solidFill>
+                <a:latin typeface="+mn-lt"/>
+                <a:ea typeface="+mn-ea"/>
+                <a:cs typeface="+mn-cs"/>
+              </a:defRPr>
+            </a:lvl9pPr>
+          </a:lstStyle>
+          <a:p>
+            <a:pPr marL="45720" indent="0">
+              <a:buFont typeface="Corbel" pitchFamily="34" charset="0"/>
+              <a:buNone/>
+            </a:pPr>
+            <a:r>
+              <a:rPr lang="ru-RU" sz="2000" dirty="0">
+                <a:ln w="0"/>
+                <a:solidFill>
+                  <a:schemeClr val="tx1"/>
+                </a:solidFill>
+                <a:latin typeface="Times New Roman" panose="02020603050405020304" pitchFamily="18" charset="0"/>
+                <a:cs typeface="Times New Roman" panose="02020603050405020304" pitchFamily="18" charset="0"/>
+              </a:rPr>
+              <a:t>5</a:t>
+            </a:r>
+            <a:r>
+              <a:rPr lang="en-US" sz="2000" dirty="0">
+                <a:ln w="0"/>
+                <a:solidFill>
+                  <a:schemeClr val="tx1"/>
+                </a:solidFill>
+                <a:latin typeface="Times New Roman" panose="02020603050405020304" pitchFamily="18" charset="0"/>
+                <a:cs typeface="Times New Roman" panose="02020603050405020304" pitchFamily="18" charset="0"/>
+              </a:rPr>
+              <a:t>/13</a:t>
+            </a:r>
+          </a:p>
+        </p:txBody>
+      </p:sp>
     </p:spTree>
     <p:extLst>
       <p:ext uri="{BB962C8B-B14F-4D97-AF65-F5344CB8AC3E}">
@@ -6365,6 +8618,287 @@
           </a:ln>
         </p:spPr>
       </p:pic>
+      <p:sp>
+        <p:nvSpPr>
+          <p:cNvPr id="8" name="Объект 2">
+            <a:extLst>
+              <a:ext uri="{FF2B5EF4-FFF2-40B4-BE49-F238E27FC236}">
+                <a16:creationId xmlns:a16="http://schemas.microsoft.com/office/drawing/2014/main" id="{69413234-B5AE-42DA-AA58-53686ECE6E6A}"/>
+              </a:ext>
+            </a:extLst>
+          </p:cNvPr>
+          <p:cNvSpPr txBox="1">
+            <a:spLocks/>
+          </p:cNvSpPr>
+          <p:nvPr/>
+        </p:nvSpPr>
+        <p:spPr>
+          <a:xfrm>
+            <a:off x="11303493" y="6323490"/>
+            <a:ext cx="737586" cy="374712"/>
+          </a:xfrm>
+          <a:prstGeom prst="rect">
+            <a:avLst/>
+          </a:prstGeom>
+        </p:spPr>
+        <p:txBody>
+          <a:bodyPr vert="horz" lIns="91440" tIns="45720" rIns="91440" bIns="45720" rtlCol="0">
+            <a:normAutofit/>
+          </a:bodyPr>
+          <a:lstStyle>
+            <a:lvl1pPr marL="228600" indent="-182880" algn="l" defTabSz="914400" rtl="0" eaLnBrk="1" latinLnBrk="0" hangingPunct="1">
+              <a:lnSpc>
+                <a:spcPct val="90000"/>
+              </a:lnSpc>
+              <a:spcBef>
+                <a:spcPts val="1400"/>
+              </a:spcBef>
+              <a:buClr>
+                <a:schemeClr val="accent1"/>
+              </a:buClr>
+              <a:buSzPct val="80000"/>
+              <a:buFont typeface="Corbel" pitchFamily="34" charset="0"/>
+              <a:buChar char="•"/>
+              <a:defRPr sz="2200" kern="1200">
+                <a:solidFill>
+                  <a:schemeClr val="accent1"/>
+                </a:solidFill>
+                <a:latin typeface="+mn-lt"/>
+                <a:ea typeface="+mn-ea"/>
+                <a:cs typeface="+mn-cs"/>
+              </a:defRPr>
+            </a:lvl1pPr>
+            <a:lvl2pPr marL="457200" indent="-182880" algn="l" defTabSz="914400" rtl="0" eaLnBrk="1" latinLnBrk="0" hangingPunct="1">
+              <a:lnSpc>
+                <a:spcPct val="90000"/>
+              </a:lnSpc>
+              <a:spcBef>
+                <a:spcPts val="200"/>
+              </a:spcBef>
+              <a:spcAft>
+                <a:spcPts val="400"/>
+              </a:spcAft>
+              <a:buClr>
+                <a:schemeClr val="accent1"/>
+              </a:buClr>
+              <a:buSzPct val="80000"/>
+              <a:buFont typeface="Corbel" pitchFamily="34" charset="0"/>
+              <a:buChar char="•"/>
+              <a:defRPr sz="2000" kern="1200">
+                <a:solidFill>
+                  <a:schemeClr val="accent1"/>
+                </a:solidFill>
+                <a:latin typeface="+mn-lt"/>
+                <a:ea typeface="+mn-ea"/>
+                <a:cs typeface="+mn-cs"/>
+              </a:defRPr>
+            </a:lvl2pPr>
+            <a:lvl3pPr marL="731520" indent="-182880" algn="l" defTabSz="914400" rtl="0" eaLnBrk="1" latinLnBrk="0" hangingPunct="1">
+              <a:lnSpc>
+                <a:spcPct val="90000"/>
+              </a:lnSpc>
+              <a:spcBef>
+                <a:spcPts val="200"/>
+              </a:spcBef>
+              <a:spcAft>
+                <a:spcPts val="400"/>
+              </a:spcAft>
+              <a:buClr>
+                <a:schemeClr val="accent1"/>
+              </a:buClr>
+              <a:buSzPct val="80000"/>
+              <a:buFont typeface="Corbel" pitchFamily="34" charset="0"/>
+              <a:buChar char="•"/>
+              <a:defRPr sz="1800" kern="1200">
+                <a:solidFill>
+                  <a:schemeClr val="accent1"/>
+                </a:solidFill>
+                <a:latin typeface="+mn-lt"/>
+                <a:ea typeface="+mn-ea"/>
+                <a:cs typeface="+mn-cs"/>
+              </a:defRPr>
+            </a:lvl3pPr>
+            <a:lvl4pPr marL="1005840" indent="-182880" algn="l" defTabSz="914400" rtl="0" eaLnBrk="1" latinLnBrk="0" hangingPunct="1">
+              <a:lnSpc>
+                <a:spcPct val="90000"/>
+              </a:lnSpc>
+              <a:spcBef>
+                <a:spcPts val="200"/>
+              </a:spcBef>
+              <a:spcAft>
+                <a:spcPts val="400"/>
+              </a:spcAft>
+              <a:buClr>
+                <a:schemeClr val="accent1"/>
+              </a:buClr>
+              <a:buSzPct val="80000"/>
+              <a:buFont typeface="Corbel" pitchFamily="34" charset="0"/>
+              <a:buChar char="•"/>
+              <a:defRPr sz="1600" kern="1200">
+                <a:solidFill>
+                  <a:schemeClr val="accent1"/>
+                </a:solidFill>
+                <a:latin typeface="+mn-lt"/>
+                <a:ea typeface="+mn-ea"/>
+                <a:cs typeface="+mn-cs"/>
+              </a:defRPr>
+            </a:lvl4pPr>
+            <a:lvl5pPr marL="1280160" indent="-182880" algn="l" defTabSz="914400" rtl="0" eaLnBrk="1" latinLnBrk="0" hangingPunct="1">
+              <a:lnSpc>
+                <a:spcPct val="90000"/>
+              </a:lnSpc>
+              <a:spcBef>
+                <a:spcPts val="200"/>
+              </a:spcBef>
+              <a:spcAft>
+                <a:spcPts val="400"/>
+              </a:spcAft>
+              <a:buClr>
+                <a:schemeClr val="accent1"/>
+              </a:buClr>
+              <a:buSzPct val="80000"/>
+              <a:buFont typeface="Corbel" pitchFamily="34" charset="0"/>
+              <a:buChar char="•"/>
+              <a:defRPr sz="1600" kern="1200">
+                <a:solidFill>
+                  <a:schemeClr val="accent1"/>
+                </a:solidFill>
+                <a:latin typeface="+mn-lt"/>
+                <a:ea typeface="+mn-ea"/>
+                <a:cs typeface="+mn-cs"/>
+              </a:defRPr>
+            </a:lvl5pPr>
+            <a:lvl6pPr marL="1600000" indent="-228600" algn="l" defTabSz="914400" rtl="0" eaLnBrk="1" latinLnBrk="0" hangingPunct="1">
+              <a:lnSpc>
+                <a:spcPct val="90000"/>
+              </a:lnSpc>
+              <a:spcBef>
+                <a:spcPts val="200"/>
+              </a:spcBef>
+              <a:spcAft>
+                <a:spcPts val="400"/>
+              </a:spcAft>
+              <a:buClr>
+                <a:schemeClr val="accent1"/>
+              </a:buClr>
+              <a:buSzPct val="80000"/>
+              <a:buFont typeface="Corbel" pitchFamily="34" charset="0"/>
+              <a:buChar char="•"/>
+              <a:defRPr sz="1600" kern="1200">
+                <a:solidFill>
+                  <a:schemeClr val="accent1"/>
+                </a:solidFill>
+                <a:latin typeface="+mn-lt"/>
+                <a:ea typeface="+mn-ea"/>
+                <a:cs typeface="+mn-cs"/>
+              </a:defRPr>
+            </a:lvl6pPr>
+            <a:lvl7pPr marL="1900000" indent="-228600" algn="l" defTabSz="914400" rtl="0" eaLnBrk="1" latinLnBrk="0" hangingPunct="1">
+              <a:lnSpc>
+                <a:spcPct val="90000"/>
+              </a:lnSpc>
+              <a:spcBef>
+                <a:spcPts val="200"/>
+              </a:spcBef>
+              <a:spcAft>
+                <a:spcPts val="400"/>
+              </a:spcAft>
+              <a:buClr>
+                <a:schemeClr val="accent1"/>
+              </a:buClr>
+              <a:buSzPct val="80000"/>
+              <a:buFont typeface="Corbel" pitchFamily="34" charset="0"/>
+              <a:buChar char="•"/>
+              <a:defRPr sz="1600" kern="1200">
+                <a:solidFill>
+                  <a:schemeClr val="accent1"/>
+                </a:solidFill>
+                <a:latin typeface="+mn-lt"/>
+                <a:ea typeface="+mn-ea"/>
+                <a:cs typeface="+mn-cs"/>
+              </a:defRPr>
+            </a:lvl7pPr>
+            <a:lvl8pPr marL="2200000" indent="-228600" algn="l" defTabSz="914400" rtl="0" eaLnBrk="1" latinLnBrk="0" hangingPunct="1">
+              <a:lnSpc>
+                <a:spcPct val="90000"/>
+              </a:lnSpc>
+              <a:spcBef>
+                <a:spcPts val="200"/>
+              </a:spcBef>
+              <a:spcAft>
+                <a:spcPts val="400"/>
+              </a:spcAft>
+              <a:buClr>
+                <a:schemeClr val="accent1"/>
+              </a:buClr>
+              <a:buSzPct val="80000"/>
+              <a:buFont typeface="Corbel" pitchFamily="34" charset="0"/>
+              <a:buChar char="•"/>
+              <a:defRPr sz="1600" kern="1200">
+                <a:solidFill>
+                  <a:schemeClr val="accent1"/>
+                </a:solidFill>
+                <a:latin typeface="+mn-lt"/>
+                <a:ea typeface="+mn-ea"/>
+                <a:cs typeface="+mn-cs"/>
+              </a:defRPr>
+            </a:lvl8pPr>
+            <a:lvl9pPr marL="2500000" indent="-228600" algn="l" defTabSz="914400" rtl="0" eaLnBrk="1" latinLnBrk="0" hangingPunct="1">
+              <a:lnSpc>
+                <a:spcPct val="90000"/>
+              </a:lnSpc>
+              <a:spcBef>
+                <a:spcPts val="200"/>
+              </a:spcBef>
+              <a:spcAft>
+                <a:spcPts val="400"/>
+              </a:spcAft>
+              <a:buClr>
+                <a:schemeClr val="accent1"/>
+              </a:buClr>
+              <a:buSzPct val="80000"/>
+              <a:buFont typeface="Corbel" pitchFamily="34" charset="0"/>
+              <a:buChar char="•"/>
+              <a:defRPr sz="1600" kern="1200">
+                <a:solidFill>
+                  <a:schemeClr val="accent1"/>
+                </a:solidFill>
+                <a:latin typeface="+mn-lt"/>
+                <a:ea typeface="+mn-ea"/>
+                <a:cs typeface="+mn-cs"/>
+              </a:defRPr>
+            </a:lvl9pPr>
+          </a:lstStyle>
+          <a:p>
+            <a:pPr marL="45720" indent="0">
+              <a:buFont typeface="Corbel" pitchFamily="34" charset="0"/>
+              <a:buNone/>
+            </a:pPr>
+            <a:r>
+              <a:rPr lang="ru-RU" sz="2000" dirty="0">
+                <a:ln w="0"/>
+                <a:solidFill>
+                  <a:schemeClr val="tx1"/>
+                </a:solidFill>
+                <a:latin typeface="Times New Roman" panose="02020603050405020304" pitchFamily="18" charset="0"/>
+                <a:cs typeface="Times New Roman" panose="02020603050405020304" pitchFamily="18" charset="0"/>
+              </a:rPr>
+              <a:t>6</a:t>
+            </a:r>
+            <a:r>
+              <a:rPr lang="en-US" sz="2000" dirty="0">
+                <a:ln w="0"/>
+                <a:solidFill>
+                  <a:schemeClr val="tx1"/>
+                </a:solidFill>
+                <a:latin typeface="Times New Roman" panose="02020603050405020304" pitchFamily="18" charset="0"/>
+                <a:cs typeface="Times New Roman" panose="02020603050405020304" pitchFamily="18" charset="0"/>
+              </a:rPr>
+              <a:t>/13</a:t>
+            </a:r>
+          </a:p>
+        </p:txBody>
+      </p:sp>
     </p:spTree>
     <p:extLst>
       <p:ext uri="{BB962C8B-B14F-4D97-AF65-F5344CB8AC3E}">
@@ -7083,6 +9617,287 @@
           </a:ln>
         </p:spPr>
       </p:pic>
+      <p:sp>
+        <p:nvSpPr>
+          <p:cNvPr id="10" name="Объект 2">
+            <a:extLst>
+              <a:ext uri="{FF2B5EF4-FFF2-40B4-BE49-F238E27FC236}">
+                <a16:creationId xmlns:a16="http://schemas.microsoft.com/office/drawing/2014/main" id="{D531F6ED-FAFA-4811-9F89-43294F6B4043}"/>
+              </a:ext>
+            </a:extLst>
+          </p:cNvPr>
+          <p:cNvSpPr txBox="1">
+            <a:spLocks/>
+          </p:cNvSpPr>
+          <p:nvPr/>
+        </p:nvSpPr>
+        <p:spPr>
+          <a:xfrm>
+            <a:off x="11303493" y="6323490"/>
+            <a:ext cx="737586" cy="374712"/>
+          </a:xfrm>
+          <a:prstGeom prst="rect">
+            <a:avLst/>
+          </a:prstGeom>
+        </p:spPr>
+        <p:txBody>
+          <a:bodyPr vert="horz" lIns="91440" tIns="45720" rIns="91440" bIns="45720" rtlCol="0">
+            <a:normAutofit/>
+          </a:bodyPr>
+          <a:lstStyle>
+            <a:lvl1pPr marL="228600" indent="-182880" algn="l" defTabSz="914400" rtl="0" eaLnBrk="1" latinLnBrk="0" hangingPunct="1">
+              <a:lnSpc>
+                <a:spcPct val="90000"/>
+              </a:lnSpc>
+              <a:spcBef>
+                <a:spcPts val="1400"/>
+              </a:spcBef>
+              <a:buClr>
+                <a:schemeClr val="accent1"/>
+              </a:buClr>
+              <a:buSzPct val="80000"/>
+              <a:buFont typeface="Corbel" pitchFamily="34" charset="0"/>
+              <a:buChar char="•"/>
+              <a:defRPr sz="2200" kern="1200">
+                <a:solidFill>
+                  <a:schemeClr val="accent1"/>
+                </a:solidFill>
+                <a:latin typeface="+mn-lt"/>
+                <a:ea typeface="+mn-ea"/>
+                <a:cs typeface="+mn-cs"/>
+              </a:defRPr>
+            </a:lvl1pPr>
+            <a:lvl2pPr marL="457200" indent="-182880" algn="l" defTabSz="914400" rtl="0" eaLnBrk="1" latinLnBrk="0" hangingPunct="1">
+              <a:lnSpc>
+                <a:spcPct val="90000"/>
+              </a:lnSpc>
+              <a:spcBef>
+                <a:spcPts val="200"/>
+              </a:spcBef>
+              <a:spcAft>
+                <a:spcPts val="400"/>
+              </a:spcAft>
+              <a:buClr>
+                <a:schemeClr val="accent1"/>
+              </a:buClr>
+              <a:buSzPct val="80000"/>
+              <a:buFont typeface="Corbel" pitchFamily="34" charset="0"/>
+              <a:buChar char="•"/>
+              <a:defRPr sz="2000" kern="1200">
+                <a:solidFill>
+                  <a:schemeClr val="accent1"/>
+                </a:solidFill>
+                <a:latin typeface="+mn-lt"/>
+                <a:ea typeface="+mn-ea"/>
+                <a:cs typeface="+mn-cs"/>
+              </a:defRPr>
+            </a:lvl2pPr>
+            <a:lvl3pPr marL="731520" indent="-182880" algn="l" defTabSz="914400" rtl="0" eaLnBrk="1" latinLnBrk="0" hangingPunct="1">
+              <a:lnSpc>
+                <a:spcPct val="90000"/>
+              </a:lnSpc>
+              <a:spcBef>
+                <a:spcPts val="200"/>
+              </a:spcBef>
+              <a:spcAft>
+                <a:spcPts val="400"/>
+              </a:spcAft>
+              <a:buClr>
+                <a:schemeClr val="accent1"/>
+              </a:buClr>
+              <a:buSzPct val="80000"/>
+              <a:buFont typeface="Corbel" pitchFamily="34" charset="0"/>
+              <a:buChar char="•"/>
+              <a:defRPr sz="1800" kern="1200">
+                <a:solidFill>
+                  <a:schemeClr val="accent1"/>
+                </a:solidFill>
+                <a:latin typeface="+mn-lt"/>
+                <a:ea typeface="+mn-ea"/>
+                <a:cs typeface="+mn-cs"/>
+              </a:defRPr>
+            </a:lvl3pPr>
+            <a:lvl4pPr marL="1005840" indent="-182880" algn="l" defTabSz="914400" rtl="0" eaLnBrk="1" latinLnBrk="0" hangingPunct="1">
+              <a:lnSpc>
+                <a:spcPct val="90000"/>
+              </a:lnSpc>
+              <a:spcBef>
+                <a:spcPts val="200"/>
+              </a:spcBef>
+              <a:spcAft>
+                <a:spcPts val="400"/>
+              </a:spcAft>
+              <a:buClr>
+                <a:schemeClr val="accent1"/>
+              </a:buClr>
+              <a:buSzPct val="80000"/>
+              <a:buFont typeface="Corbel" pitchFamily="34" charset="0"/>
+              <a:buChar char="•"/>
+              <a:defRPr sz="1600" kern="1200">
+                <a:solidFill>
+                  <a:schemeClr val="accent1"/>
+                </a:solidFill>
+                <a:latin typeface="+mn-lt"/>
+                <a:ea typeface="+mn-ea"/>
+                <a:cs typeface="+mn-cs"/>
+              </a:defRPr>
+            </a:lvl4pPr>
+            <a:lvl5pPr marL="1280160" indent="-182880" algn="l" defTabSz="914400" rtl="0" eaLnBrk="1" latinLnBrk="0" hangingPunct="1">
+              <a:lnSpc>
+                <a:spcPct val="90000"/>
+              </a:lnSpc>
+              <a:spcBef>
+                <a:spcPts val="200"/>
+              </a:spcBef>
+              <a:spcAft>
+                <a:spcPts val="400"/>
+              </a:spcAft>
+              <a:buClr>
+                <a:schemeClr val="accent1"/>
+              </a:buClr>
+              <a:buSzPct val="80000"/>
+              <a:buFont typeface="Corbel" pitchFamily="34" charset="0"/>
+              <a:buChar char="•"/>
+              <a:defRPr sz="1600" kern="1200">
+                <a:solidFill>
+                  <a:schemeClr val="accent1"/>
+                </a:solidFill>
+                <a:latin typeface="+mn-lt"/>
+                <a:ea typeface="+mn-ea"/>
+                <a:cs typeface="+mn-cs"/>
+              </a:defRPr>
+            </a:lvl5pPr>
+            <a:lvl6pPr marL="1600000" indent="-228600" algn="l" defTabSz="914400" rtl="0" eaLnBrk="1" latinLnBrk="0" hangingPunct="1">
+              <a:lnSpc>
+                <a:spcPct val="90000"/>
+              </a:lnSpc>
+              <a:spcBef>
+                <a:spcPts val="200"/>
+              </a:spcBef>
+              <a:spcAft>
+                <a:spcPts val="400"/>
+              </a:spcAft>
+              <a:buClr>
+                <a:schemeClr val="accent1"/>
+              </a:buClr>
+              <a:buSzPct val="80000"/>
+              <a:buFont typeface="Corbel" pitchFamily="34" charset="0"/>
+              <a:buChar char="•"/>
+              <a:defRPr sz="1600" kern="1200">
+                <a:solidFill>
+                  <a:schemeClr val="accent1"/>
+                </a:solidFill>
+                <a:latin typeface="+mn-lt"/>
+                <a:ea typeface="+mn-ea"/>
+                <a:cs typeface="+mn-cs"/>
+              </a:defRPr>
+            </a:lvl6pPr>
+            <a:lvl7pPr marL="1900000" indent="-228600" algn="l" defTabSz="914400" rtl="0" eaLnBrk="1" latinLnBrk="0" hangingPunct="1">
+              <a:lnSpc>
+                <a:spcPct val="90000"/>
+              </a:lnSpc>
+              <a:spcBef>
+                <a:spcPts val="200"/>
+              </a:spcBef>
+              <a:spcAft>
+                <a:spcPts val="400"/>
+              </a:spcAft>
+              <a:buClr>
+                <a:schemeClr val="accent1"/>
+              </a:buClr>
+              <a:buSzPct val="80000"/>
+              <a:buFont typeface="Corbel" pitchFamily="34" charset="0"/>
+              <a:buChar char="•"/>
+              <a:defRPr sz="1600" kern="1200">
+                <a:solidFill>
+                  <a:schemeClr val="accent1"/>
+                </a:solidFill>
+                <a:latin typeface="+mn-lt"/>
+                <a:ea typeface="+mn-ea"/>
+                <a:cs typeface="+mn-cs"/>
+              </a:defRPr>
+            </a:lvl7pPr>
+            <a:lvl8pPr marL="2200000" indent="-228600" algn="l" defTabSz="914400" rtl="0" eaLnBrk="1" latinLnBrk="0" hangingPunct="1">
+              <a:lnSpc>
+                <a:spcPct val="90000"/>
+              </a:lnSpc>
+              <a:spcBef>
+                <a:spcPts val="200"/>
+              </a:spcBef>
+              <a:spcAft>
+                <a:spcPts val="400"/>
+              </a:spcAft>
+              <a:buClr>
+                <a:schemeClr val="accent1"/>
+              </a:buClr>
+              <a:buSzPct val="80000"/>
+              <a:buFont typeface="Corbel" pitchFamily="34" charset="0"/>
+              <a:buChar char="•"/>
+              <a:defRPr sz="1600" kern="1200">
+                <a:solidFill>
+                  <a:schemeClr val="accent1"/>
+                </a:solidFill>
+                <a:latin typeface="+mn-lt"/>
+                <a:ea typeface="+mn-ea"/>
+                <a:cs typeface="+mn-cs"/>
+              </a:defRPr>
+            </a:lvl8pPr>
+            <a:lvl9pPr marL="2500000" indent="-228600" algn="l" defTabSz="914400" rtl="0" eaLnBrk="1" latinLnBrk="0" hangingPunct="1">
+              <a:lnSpc>
+                <a:spcPct val="90000"/>
+              </a:lnSpc>
+              <a:spcBef>
+                <a:spcPts val="200"/>
+              </a:spcBef>
+              <a:spcAft>
+                <a:spcPts val="400"/>
+              </a:spcAft>
+              <a:buClr>
+                <a:schemeClr val="accent1"/>
+              </a:buClr>
+              <a:buSzPct val="80000"/>
+              <a:buFont typeface="Corbel" pitchFamily="34" charset="0"/>
+              <a:buChar char="•"/>
+              <a:defRPr sz="1600" kern="1200">
+                <a:solidFill>
+                  <a:schemeClr val="accent1"/>
+                </a:solidFill>
+                <a:latin typeface="+mn-lt"/>
+                <a:ea typeface="+mn-ea"/>
+                <a:cs typeface="+mn-cs"/>
+              </a:defRPr>
+            </a:lvl9pPr>
+          </a:lstStyle>
+          <a:p>
+            <a:pPr marL="45720" indent="0">
+              <a:buFont typeface="Corbel" pitchFamily="34" charset="0"/>
+              <a:buNone/>
+            </a:pPr>
+            <a:r>
+              <a:rPr lang="ru-RU" sz="2000" dirty="0">
+                <a:ln w="0"/>
+                <a:solidFill>
+                  <a:schemeClr val="tx1"/>
+                </a:solidFill>
+                <a:latin typeface="Times New Roman" panose="02020603050405020304" pitchFamily="18" charset="0"/>
+                <a:cs typeface="Times New Roman" panose="02020603050405020304" pitchFamily="18" charset="0"/>
+              </a:rPr>
+              <a:t>7</a:t>
+            </a:r>
+            <a:r>
+              <a:rPr lang="en-US" sz="2000" dirty="0">
+                <a:ln w="0"/>
+                <a:solidFill>
+                  <a:schemeClr val="tx1"/>
+                </a:solidFill>
+                <a:latin typeface="Times New Roman" panose="02020603050405020304" pitchFamily="18" charset="0"/>
+                <a:cs typeface="Times New Roman" panose="02020603050405020304" pitchFamily="18" charset="0"/>
+              </a:rPr>
+              <a:t>/13</a:t>
+            </a:r>
+          </a:p>
+        </p:txBody>
+      </p:sp>
     </p:spTree>
     <p:extLst>
       <p:ext uri="{BB962C8B-B14F-4D97-AF65-F5344CB8AC3E}">
@@ -7832,6 +10647,287 @@
           </a:ln>
         </p:spPr>
       </p:pic>
+      <p:sp>
+        <p:nvSpPr>
+          <p:cNvPr id="13" name="Объект 2">
+            <a:extLst>
+              <a:ext uri="{FF2B5EF4-FFF2-40B4-BE49-F238E27FC236}">
+                <a16:creationId xmlns:a16="http://schemas.microsoft.com/office/drawing/2014/main" id="{6BED9F9C-2964-49AE-A97C-D235CD7A5C94}"/>
+              </a:ext>
+            </a:extLst>
+          </p:cNvPr>
+          <p:cNvSpPr txBox="1">
+            <a:spLocks/>
+          </p:cNvSpPr>
+          <p:nvPr/>
+        </p:nvSpPr>
+        <p:spPr>
+          <a:xfrm>
+            <a:off x="11303493" y="6323490"/>
+            <a:ext cx="737586" cy="374712"/>
+          </a:xfrm>
+          <a:prstGeom prst="rect">
+            <a:avLst/>
+          </a:prstGeom>
+        </p:spPr>
+        <p:txBody>
+          <a:bodyPr vert="horz" lIns="91440" tIns="45720" rIns="91440" bIns="45720" rtlCol="0">
+            <a:normAutofit/>
+          </a:bodyPr>
+          <a:lstStyle>
+            <a:lvl1pPr marL="228600" indent="-182880" algn="l" defTabSz="914400" rtl="0" eaLnBrk="1" latinLnBrk="0" hangingPunct="1">
+              <a:lnSpc>
+                <a:spcPct val="90000"/>
+              </a:lnSpc>
+              <a:spcBef>
+                <a:spcPts val="1400"/>
+              </a:spcBef>
+              <a:buClr>
+                <a:schemeClr val="accent1"/>
+              </a:buClr>
+              <a:buSzPct val="80000"/>
+              <a:buFont typeface="Corbel" pitchFamily="34" charset="0"/>
+              <a:buChar char="•"/>
+              <a:defRPr sz="2200" kern="1200">
+                <a:solidFill>
+                  <a:schemeClr val="accent1"/>
+                </a:solidFill>
+                <a:latin typeface="+mn-lt"/>
+                <a:ea typeface="+mn-ea"/>
+                <a:cs typeface="+mn-cs"/>
+              </a:defRPr>
+            </a:lvl1pPr>
+            <a:lvl2pPr marL="457200" indent="-182880" algn="l" defTabSz="914400" rtl="0" eaLnBrk="1" latinLnBrk="0" hangingPunct="1">
+              <a:lnSpc>
+                <a:spcPct val="90000"/>
+              </a:lnSpc>
+              <a:spcBef>
+                <a:spcPts val="200"/>
+              </a:spcBef>
+              <a:spcAft>
+                <a:spcPts val="400"/>
+              </a:spcAft>
+              <a:buClr>
+                <a:schemeClr val="accent1"/>
+              </a:buClr>
+              <a:buSzPct val="80000"/>
+              <a:buFont typeface="Corbel" pitchFamily="34" charset="0"/>
+              <a:buChar char="•"/>
+              <a:defRPr sz="2000" kern="1200">
+                <a:solidFill>
+                  <a:schemeClr val="accent1"/>
+                </a:solidFill>
+                <a:latin typeface="+mn-lt"/>
+                <a:ea typeface="+mn-ea"/>
+                <a:cs typeface="+mn-cs"/>
+              </a:defRPr>
+            </a:lvl2pPr>
+            <a:lvl3pPr marL="731520" indent="-182880" algn="l" defTabSz="914400" rtl="0" eaLnBrk="1" latinLnBrk="0" hangingPunct="1">
+              <a:lnSpc>
+                <a:spcPct val="90000"/>
+              </a:lnSpc>
+              <a:spcBef>
+                <a:spcPts val="200"/>
+              </a:spcBef>
+              <a:spcAft>
+                <a:spcPts val="400"/>
+              </a:spcAft>
+              <a:buClr>
+                <a:schemeClr val="accent1"/>
+              </a:buClr>
+              <a:buSzPct val="80000"/>
+              <a:buFont typeface="Corbel" pitchFamily="34" charset="0"/>
+              <a:buChar char="•"/>
+              <a:defRPr sz="1800" kern="1200">
+                <a:solidFill>
+                  <a:schemeClr val="accent1"/>
+                </a:solidFill>
+                <a:latin typeface="+mn-lt"/>
+                <a:ea typeface="+mn-ea"/>
+                <a:cs typeface="+mn-cs"/>
+              </a:defRPr>
+            </a:lvl3pPr>
+            <a:lvl4pPr marL="1005840" indent="-182880" algn="l" defTabSz="914400" rtl="0" eaLnBrk="1" latinLnBrk="0" hangingPunct="1">
+              <a:lnSpc>
+                <a:spcPct val="90000"/>
+              </a:lnSpc>
+              <a:spcBef>
+                <a:spcPts val="200"/>
+              </a:spcBef>
+              <a:spcAft>
+                <a:spcPts val="400"/>
+              </a:spcAft>
+              <a:buClr>
+                <a:schemeClr val="accent1"/>
+              </a:buClr>
+              <a:buSzPct val="80000"/>
+              <a:buFont typeface="Corbel" pitchFamily="34" charset="0"/>
+              <a:buChar char="•"/>
+              <a:defRPr sz="1600" kern="1200">
+                <a:solidFill>
+                  <a:schemeClr val="accent1"/>
+                </a:solidFill>
+                <a:latin typeface="+mn-lt"/>
+                <a:ea typeface="+mn-ea"/>
+                <a:cs typeface="+mn-cs"/>
+              </a:defRPr>
+            </a:lvl4pPr>
+            <a:lvl5pPr marL="1280160" indent="-182880" algn="l" defTabSz="914400" rtl="0" eaLnBrk="1" latinLnBrk="0" hangingPunct="1">
+              <a:lnSpc>
+                <a:spcPct val="90000"/>
+              </a:lnSpc>
+              <a:spcBef>
+                <a:spcPts val="200"/>
+              </a:spcBef>
+              <a:spcAft>
+                <a:spcPts val="400"/>
+              </a:spcAft>
+              <a:buClr>
+                <a:schemeClr val="accent1"/>
+              </a:buClr>
+              <a:buSzPct val="80000"/>
+              <a:buFont typeface="Corbel" pitchFamily="34" charset="0"/>
+              <a:buChar char="•"/>
+              <a:defRPr sz="1600" kern="1200">
+                <a:solidFill>
+                  <a:schemeClr val="accent1"/>
+                </a:solidFill>
+                <a:latin typeface="+mn-lt"/>
+                <a:ea typeface="+mn-ea"/>
+                <a:cs typeface="+mn-cs"/>
+              </a:defRPr>
+            </a:lvl5pPr>
+            <a:lvl6pPr marL="1600000" indent="-228600" algn="l" defTabSz="914400" rtl="0" eaLnBrk="1" latinLnBrk="0" hangingPunct="1">
+              <a:lnSpc>
+                <a:spcPct val="90000"/>
+              </a:lnSpc>
+              <a:spcBef>
+                <a:spcPts val="200"/>
+              </a:spcBef>
+              <a:spcAft>
+                <a:spcPts val="400"/>
+              </a:spcAft>
+              <a:buClr>
+                <a:schemeClr val="accent1"/>
+              </a:buClr>
+              <a:buSzPct val="80000"/>
+              <a:buFont typeface="Corbel" pitchFamily="34" charset="0"/>
+              <a:buChar char="•"/>
+              <a:defRPr sz="1600" kern="1200">
+                <a:solidFill>
+                  <a:schemeClr val="accent1"/>
+                </a:solidFill>
+                <a:latin typeface="+mn-lt"/>
+                <a:ea typeface="+mn-ea"/>
+                <a:cs typeface="+mn-cs"/>
+              </a:defRPr>
+            </a:lvl6pPr>
+            <a:lvl7pPr marL="1900000" indent="-228600" algn="l" defTabSz="914400" rtl="0" eaLnBrk="1" latinLnBrk="0" hangingPunct="1">
+              <a:lnSpc>
+                <a:spcPct val="90000"/>
+              </a:lnSpc>
+              <a:spcBef>
+                <a:spcPts val="200"/>
+              </a:spcBef>
+              <a:spcAft>
+                <a:spcPts val="400"/>
+              </a:spcAft>
+              <a:buClr>
+                <a:schemeClr val="accent1"/>
+              </a:buClr>
+              <a:buSzPct val="80000"/>
+              <a:buFont typeface="Corbel" pitchFamily="34" charset="0"/>
+              <a:buChar char="•"/>
+              <a:defRPr sz="1600" kern="1200">
+                <a:solidFill>
+                  <a:schemeClr val="accent1"/>
+                </a:solidFill>
+                <a:latin typeface="+mn-lt"/>
+                <a:ea typeface="+mn-ea"/>
+                <a:cs typeface="+mn-cs"/>
+              </a:defRPr>
+            </a:lvl7pPr>
+            <a:lvl8pPr marL="2200000" indent="-228600" algn="l" defTabSz="914400" rtl="0" eaLnBrk="1" latinLnBrk="0" hangingPunct="1">
+              <a:lnSpc>
+                <a:spcPct val="90000"/>
+              </a:lnSpc>
+              <a:spcBef>
+                <a:spcPts val="200"/>
+              </a:spcBef>
+              <a:spcAft>
+                <a:spcPts val="400"/>
+              </a:spcAft>
+              <a:buClr>
+                <a:schemeClr val="accent1"/>
+              </a:buClr>
+              <a:buSzPct val="80000"/>
+              <a:buFont typeface="Corbel" pitchFamily="34" charset="0"/>
+              <a:buChar char="•"/>
+              <a:defRPr sz="1600" kern="1200">
+                <a:solidFill>
+                  <a:schemeClr val="accent1"/>
+                </a:solidFill>
+                <a:latin typeface="+mn-lt"/>
+                <a:ea typeface="+mn-ea"/>
+                <a:cs typeface="+mn-cs"/>
+              </a:defRPr>
+            </a:lvl8pPr>
+            <a:lvl9pPr marL="2500000" indent="-228600" algn="l" defTabSz="914400" rtl="0" eaLnBrk="1" latinLnBrk="0" hangingPunct="1">
+              <a:lnSpc>
+                <a:spcPct val="90000"/>
+              </a:lnSpc>
+              <a:spcBef>
+                <a:spcPts val="200"/>
+              </a:spcBef>
+              <a:spcAft>
+                <a:spcPts val="400"/>
+              </a:spcAft>
+              <a:buClr>
+                <a:schemeClr val="accent1"/>
+              </a:buClr>
+              <a:buSzPct val="80000"/>
+              <a:buFont typeface="Corbel" pitchFamily="34" charset="0"/>
+              <a:buChar char="•"/>
+              <a:defRPr sz="1600" kern="1200">
+                <a:solidFill>
+                  <a:schemeClr val="accent1"/>
+                </a:solidFill>
+                <a:latin typeface="+mn-lt"/>
+                <a:ea typeface="+mn-ea"/>
+                <a:cs typeface="+mn-cs"/>
+              </a:defRPr>
+            </a:lvl9pPr>
+          </a:lstStyle>
+          <a:p>
+            <a:pPr marL="45720" indent="0">
+              <a:buFont typeface="Corbel" pitchFamily="34" charset="0"/>
+              <a:buNone/>
+            </a:pPr>
+            <a:r>
+              <a:rPr lang="ru-RU" sz="2000" dirty="0">
+                <a:ln w="0"/>
+                <a:solidFill>
+                  <a:schemeClr val="tx1"/>
+                </a:solidFill>
+                <a:latin typeface="Times New Roman" panose="02020603050405020304" pitchFamily="18" charset="0"/>
+                <a:cs typeface="Times New Roman" panose="02020603050405020304" pitchFamily="18" charset="0"/>
+              </a:rPr>
+              <a:t>8</a:t>
+            </a:r>
+            <a:r>
+              <a:rPr lang="en-US" sz="2000" dirty="0">
+                <a:ln w="0"/>
+                <a:solidFill>
+                  <a:schemeClr val="tx1"/>
+                </a:solidFill>
+                <a:latin typeface="Times New Roman" panose="02020603050405020304" pitchFamily="18" charset="0"/>
+                <a:cs typeface="Times New Roman" panose="02020603050405020304" pitchFamily="18" charset="0"/>
+              </a:rPr>
+              <a:t>/13</a:t>
+            </a:r>
+          </a:p>
+        </p:txBody>
+      </p:sp>
     </p:spTree>
     <p:extLst>
       <p:ext uri="{BB962C8B-B14F-4D97-AF65-F5344CB8AC3E}">
@@ -8824,6 +11920,287 @@
           </a:ln>
         </p:spPr>
       </p:pic>
+      <p:sp>
+        <p:nvSpPr>
+          <p:cNvPr id="13" name="Объект 2">
+            <a:extLst>
+              <a:ext uri="{FF2B5EF4-FFF2-40B4-BE49-F238E27FC236}">
+                <a16:creationId xmlns:a16="http://schemas.microsoft.com/office/drawing/2014/main" id="{0D68D5C0-7FBD-4660-8AB1-8F2B848E6589}"/>
+              </a:ext>
+            </a:extLst>
+          </p:cNvPr>
+          <p:cNvSpPr txBox="1">
+            <a:spLocks/>
+          </p:cNvSpPr>
+          <p:nvPr/>
+        </p:nvSpPr>
+        <p:spPr>
+          <a:xfrm>
+            <a:off x="11303493" y="6323490"/>
+            <a:ext cx="737586" cy="374712"/>
+          </a:xfrm>
+          <a:prstGeom prst="rect">
+            <a:avLst/>
+          </a:prstGeom>
+        </p:spPr>
+        <p:txBody>
+          <a:bodyPr vert="horz" lIns="91440" tIns="45720" rIns="91440" bIns="45720" rtlCol="0">
+            <a:normAutofit/>
+          </a:bodyPr>
+          <a:lstStyle>
+            <a:lvl1pPr marL="228600" indent="-182880" algn="l" defTabSz="914400" rtl="0" eaLnBrk="1" latinLnBrk="0" hangingPunct="1">
+              <a:lnSpc>
+                <a:spcPct val="90000"/>
+              </a:lnSpc>
+              <a:spcBef>
+                <a:spcPts val="1400"/>
+              </a:spcBef>
+              <a:buClr>
+                <a:schemeClr val="accent1"/>
+              </a:buClr>
+              <a:buSzPct val="80000"/>
+              <a:buFont typeface="Corbel" pitchFamily="34" charset="0"/>
+              <a:buChar char="•"/>
+              <a:defRPr sz="2200" kern="1200">
+                <a:solidFill>
+                  <a:schemeClr val="accent1"/>
+                </a:solidFill>
+                <a:latin typeface="+mn-lt"/>
+                <a:ea typeface="+mn-ea"/>
+                <a:cs typeface="+mn-cs"/>
+              </a:defRPr>
+            </a:lvl1pPr>
+            <a:lvl2pPr marL="457200" indent="-182880" algn="l" defTabSz="914400" rtl="0" eaLnBrk="1" latinLnBrk="0" hangingPunct="1">
+              <a:lnSpc>
+                <a:spcPct val="90000"/>
+              </a:lnSpc>
+              <a:spcBef>
+                <a:spcPts val="200"/>
+              </a:spcBef>
+              <a:spcAft>
+                <a:spcPts val="400"/>
+              </a:spcAft>
+              <a:buClr>
+                <a:schemeClr val="accent1"/>
+              </a:buClr>
+              <a:buSzPct val="80000"/>
+              <a:buFont typeface="Corbel" pitchFamily="34" charset="0"/>
+              <a:buChar char="•"/>
+              <a:defRPr sz="2000" kern="1200">
+                <a:solidFill>
+                  <a:schemeClr val="accent1"/>
+                </a:solidFill>
+                <a:latin typeface="+mn-lt"/>
+                <a:ea typeface="+mn-ea"/>
+                <a:cs typeface="+mn-cs"/>
+              </a:defRPr>
+            </a:lvl2pPr>
+            <a:lvl3pPr marL="731520" indent="-182880" algn="l" defTabSz="914400" rtl="0" eaLnBrk="1" latinLnBrk="0" hangingPunct="1">
+              <a:lnSpc>
+                <a:spcPct val="90000"/>
+              </a:lnSpc>
+              <a:spcBef>
+                <a:spcPts val="200"/>
+              </a:spcBef>
+              <a:spcAft>
+                <a:spcPts val="400"/>
+              </a:spcAft>
+              <a:buClr>
+                <a:schemeClr val="accent1"/>
+              </a:buClr>
+              <a:buSzPct val="80000"/>
+              <a:buFont typeface="Corbel" pitchFamily="34" charset="0"/>
+              <a:buChar char="•"/>
+              <a:defRPr sz="1800" kern="1200">
+                <a:solidFill>
+                  <a:schemeClr val="accent1"/>
+                </a:solidFill>
+                <a:latin typeface="+mn-lt"/>
+                <a:ea typeface="+mn-ea"/>
+                <a:cs typeface="+mn-cs"/>
+              </a:defRPr>
+            </a:lvl3pPr>
+            <a:lvl4pPr marL="1005840" indent="-182880" algn="l" defTabSz="914400" rtl="0" eaLnBrk="1" latinLnBrk="0" hangingPunct="1">
+              <a:lnSpc>
+                <a:spcPct val="90000"/>
+              </a:lnSpc>
+              <a:spcBef>
+                <a:spcPts val="200"/>
+              </a:spcBef>
+              <a:spcAft>
+                <a:spcPts val="400"/>
+              </a:spcAft>
+              <a:buClr>
+                <a:schemeClr val="accent1"/>
+              </a:buClr>
+              <a:buSzPct val="80000"/>
+              <a:buFont typeface="Corbel" pitchFamily="34" charset="0"/>
+              <a:buChar char="•"/>
+              <a:defRPr sz="1600" kern="1200">
+                <a:solidFill>
+                  <a:schemeClr val="accent1"/>
+                </a:solidFill>
+                <a:latin typeface="+mn-lt"/>
+                <a:ea typeface="+mn-ea"/>
+                <a:cs typeface="+mn-cs"/>
+              </a:defRPr>
+            </a:lvl4pPr>
+            <a:lvl5pPr marL="1280160" indent="-182880" algn="l" defTabSz="914400" rtl="0" eaLnBrk="1" latinLnBrk="0" hangingPunct="1">
+              <a:lnSpc>
+                <a:spcPct val="90000"/>
+              </a:lnSpc>
+              <a:spcBef>
+                <a:spcPts val="200"/>
+              </a:spcBef>
+              <a:spcAft>
+                <a:spcPts val="400"/>
+              </a:spcAft>
+              <a:buClr>
+                <a:schemeClr val="accent1"/>
+              </a:buClr>
+              <a:buSzPct val="80000"/>
+              <a:buFont typeface="Corbel" pitchFamily="34" charset="0"/>
+              <a:buChar char="•"/>
+              <a:defRPr sz="1600" kern="1200">
+                <a:solidFill>
+                  <a:schemeClr val="accent1"/>
+                </a:solidFill>
+                <a:latin typeface="+mn-lt"/>
+                <a:ea typeface="+mn-ea"/>
+                <a:cs typeface="+mn-cs"/>
+              </a:defRPr>
+            </a:lvl5pPr>
+            <a:lvl6pPr marL="1600000" indent="-228600" algn="l" defTabSz="914400" rtl="0" eaLnBrk="1" latinLnBrk="0" hangingPunct="1">
+              <a:lnSpc>
+                <a:spcPct val="90000"/>
+              </a:lnSpc>
+              <a:spcBef>
+                <a:spcPts val="200"/>
+              </a:spcBef>
+              <a:spcAft>
+                <a:spcPts val="400"/>
+              </a:spcAft>
+              <a:buClr>
+                <a:schemeClr val="accent1"/>
+              </a:buClr>
+              <a:buSzPct val="80000"/>
+              <a:buFont typeface="Corbel" pitchFamily="34" charset="0"/>
+              <a:buChar char="•"/>
+              <a:defRPr sz="1600" kern="1200">
+                <a:solidFill>
+                  <a:schemeClr val="accent1"/>
+                </a:solidFill>
+                <a:latin typeface="+mn-lt"/>
+                <a:ea typeface="+mn-ea"/>
+                <a:cs typeface="+mn-cs"/>
+              </a:defRPr>
+            </a:lvl6pPr>
+            <a:lvl7pPr marL="1900000" indent="-228600" algn="l" defTabSz="914400" rtl="0" eaLnBrk="1" latinLnBrk="0" hangingPunct="1">
+              <a:lnSpc>
+                <a:spcPct val="90000"/>
+              </a:lnSpc>
+              <a:spcBef>
+                <a:spcPts val="200"/>
+              </a:spcBef>
+              <a:spcAft>
+                <a:spcPts val="400"/>
+              </a:spcAft>
+              <a:buClr>
+                <a:schemeClr val="accent1"/>
+              </a:buClr>
+              <a:buSzPct val="80000"/>
+              <a:buFont typeface="Corbel" pitchFamily="34" charset="0"/>
+              <a:buChar char="•"/>
+              <a:defRPr sz="1600" kern="1200">
+                <a:solidFill>
+                  <a:schemeClr val="accent1"/>
+                </a:solidFill>
+                <a:latin typeface="+mn-lt"/>
+                <a:ea typeface="+mn-ea"/>
+                <a:cs typeface="+mn-cs"/>
+              </a:defRPr>
+            </a:lvl7pPr>
+            <a:lvl8pPr marL="2200000" indent="-228600" algn="l" defTabSz="914400" rtl="0" eaLnBrk="1" latinLnBrk="0" hangingPunct="1">
+              <a:lnSpc>
+                <a:spcPct val="90000"/>
+              </a:lnSpc>
+              <a:spcBef>
+                <a:spcPts val="200"/>
+              </a:spcBef>
+              <a:spcAft>
+                <a:spcPts val="400"/>
+              </a:spcAft>
+              <a:buClr>
+                <a:schemeClr val="accent1"/>
+              </a:buClr>
+              <a:buSzPct val="80000"/>
+              <a:buFont typeface="Corbel" pitchFamily="34" charset="0"/>
+              <a:buChar char="•"/>
+              <a:defRPr sz="1600" kern="1200">
+                <a:solidFill>
+                  <a:schemeClr val="accent1"/>
+                </a:solidFill>
+                <a:latin typeface="+mn-lt"/>
+                <a:ea typeface="+mn-ea"/>
+                <a:cs typeface="+mn-cs"/>
+              </a:defRPr>
+            </a:lvl8pPr>
+            <a:lvl9pPr marL="2500000" indent="-228600" algn="l" defTabSz="914400" rtl="0" eaLnBrk="1" latinLnBrk="0" hangingPunct="1">
+              <a:lnSpc>
+                <a:spcPct val="90000"/>
+              </a:lnSpc>
+              <a:spcBef>
+                <a:spcPts val="200"/>
+              </a:spcBef>
+              <a:spcAft>
+                <a:spcPts val="400"/>
+              </a:spcAft>
+              <a:buClr>
+                <a:schemeClr val="accent1"/>
+              </a:buClr>
+              <a:buSzPct val="80000"/>
+              <a:buFont typeface="Corbel" pitchFamily="34" charset="0"/>
+              <a:buChar char="•"/>
+              <a:defRPr sz="1600" kern="1200">
+                <a:solidFill>
+                  <a:schemeClr val="accent1"/>
+                </a:solidFill>
+                <a:latin typeface="+mn-lt"/>
+                <a:ea typeface="+mn-ea"/>
+                <a:cs typeface="+mn-cs"/>
+              </a:defRPr>
+            </a:lvl9pPr>
+          </a:lstStyle>
+          <a:p>
+            <a:pPr marL="45720" indent="0">
+              <a:buFont typeface="Corbel" pitchFamily="34" charset="0"/>
+              <a:buNone/>
+            </a:pPr>
+            <a:r>
+              <a:rPr lang="ru-RU" sz="2000" dirty="0">
+                <a:ln w="0"/>
+                <a:solidFill>
+                  <a:schemeClr val="tx1"/>
+                </a:solidFill>
+                <a:latin typeface="Times New Roman" panose="02020603050405020304" pitchFamily="18" charset="0"/>
+                <a:cs typeface="Times New Roman" panose="02020603050405020304" pitchFamily="18" charset="0"/>
+              </a:rPr>
+              <a:t>9</a:t>
+            </a:r>
+            <a:r>
+              <a:rPr lang="en-US" sz="2000" dirty="0">
+                <a:ln w="0"/>
+                <a:solidFill>
+                  <a:schemeClr val="tx1"/>
+                </a:solidFill>
+                <a:latin typeface="Times New Roman" panose="02020603050405020304" pitchFamily="18" charset="0"/>
+                <a:cs typeface="Times New Roman" panose="02020603050405020304" pitchFamily="18" charset="0"/>
+              </a:rPr>
+              <a:t>/13</a:t>
+            </a:r>
+          </a:p>
+        </p:txBody>
+      </p:sp>
     </p:spTree>
     <p:extLst>
       <p:ext uri="{BB962C8B-B14F-4D97-AF65-F5344CB8AC3E}">
